--- a/doc/presentation_v2.pptx
+++ b/doc/presentation_v2.pptx
@@ -237,7 +237,7 @@
           <a:p>
             <a:fld id="{6F706F6E-1B68-4586-847C-CB72A2196B1A}" type="datetimeFigureOut">
               <a:rPr lang="en-US" smtClean="0"/>
-              <a:t>9/13/2020</a:t>
+              <a:t>9/14/2020</a:t>
             </a:fld>
             <a:endParaRPr lang="en-US"/>
           </a:p>
@@ -929,7 +929,15 @@
             </a:r>
             <a:r>
               <a:rPr lang="en-US" baseline="0" smtClean="0"/>
-              <a:t>(problems with calculation of area under the curve, variation very big)</a:t>
+              <a:t>(problems with calculation of area under the curve, </a:t>
+            </a:r>
+            <a:r>
+              <a:rPr lang="en-US" baseline="0" smtClean="0"/>
+              <a:t>variance gets too </a:t>
+            </a:r>
+            <a:r>
+              <a:rPr lang="en-US" baseline="0" smtClean="0"/>
+              <a:t>big)</a:t>
             </a:r>
           </a:p>
           <a:p>
@@ -1055,21 +1063,23 @@
             </a:pPr>
             <a:r>
               <a:rPr lang="en-US" baseline="0" dirty="0"/>
-              <a:t>Numerical values lie on the decision limit / hyperplane </a:t>
-            </a:r>
+              <a:t>Numerical values lie on the </a:t>
+            </a:r>
+            <a:r>
+              <a:rPr lang="en-US" baseline="0"/>
+              <a:t>decision </a:t>
+            </a:r>
+            <a:r>
+              <a:rPr lang="en-US" baseline="0" smtClean="0"/>
+              <a:t>limit</a:t>
+            </a:r>
+            <a:endParaRPr lang="en-US" baseline="0" dirty="0"/>
           </a:p>
           <a:p>
             <a:pPr marL="171450" indent="-171450">
               <a:buFont typeface="Arial" panose="020B0604020202020204" pitchFamily="34" charset="0"/>
               <a:buChar char="•"/>
             </a:pPr>
-            <a:endParaRPr lang="en-US" baseline="0" dirty="0"/>
-          </a:p>
-          <a:p>
-            <a:pPr marL="171450" indent="-171450">
-              <a:buFont typeface="Arial" panose="020B0604020202020204" pitchFamily="34" charset="0"/>
-              <a:buChar char="•"/>
-            </a:pPr>
             <a:r>
               <a:rPr lang="en-US" baseline="0" dirty="0"/>
               <a:t>Imputation could prevent fitting onto only linear PSMs (for example when true cross-linked PSMs are rarer, </a:t>
@@ -1080,23 +1090,13 @@
             </a:r>
             <a:r>
               <a:rPr lang="en-US" baseline="0" smtClean="0"/>
-              <a:t>PSMs are false more often)</a:t>
+              <a:t>PSMs are false more often</a:t>
+            </a:r>
+            <a:r>
+              <a:rPr lang="en-US" baseline="0" smtClean="0"/>
+              <a:t>)</a:t>
             </a:r>
             <a:endParaRPr lang="en-US" baseline="0" dirty="0"/>
-          </a:p>
-          <a:p>
-            <a:pPr marL="171450" indent="-171450">
-              <a:buFont typeface="Arial" panose="020B0604020202020204" pitchFamily="34" charset="0"/>
-              <a:buChar char="•"/>
-            </a:pPr>
-            <a:r>
-              <a:rPr lang="en-US" baseline="0" smtClean="0"/>
-              <a:t>Disabled by </a:t>
-            </a:r>
-            <a:r>
-              <a:rPr lang="en-US" baseline="0" dirty="0"/>
-              <a:t>default</a:t>
-            </a:r>
           </a:p>
         </p:txBody>
       </p:sp>
@@ -1310,17 +1310,11 @@
             </a:pPr>
             <a:r>
               <a:rPr lang="en-US" baseline="0"/>
-              <a:t>More flexible models or combining weak models (AdaBoost)</a:t>
-            </a:r>
-          </a:p>
-          <a:p>
-            <a:pPr marL="171450" indent="-171450">
-              <a:buFont typeface="Arial" panose="020B0604020202020204" pitchFamily="34" charset="0"/>
-              <a:buChar char="•"/>
-            </a:pPr>
-            <a:r>
-              <a:rPr lang="en-US" baseline="0"/>
-              <a:t>Redundant features often worsen linear models, common in proteomics (related scores)</a:t>
+              <a:t>More flexible models or combining weak models (AdaBoost</a:t>
+            </a:r>
+            <a:r>
+              <a:rPr lang="en-US" baseline="0" smtClean="0"/>
+              <a:t>)</a:t>
             </a:r>
             <a:endParaRPr lang="en-US"/>
           </a:p>
@@ -1507,6 +1501,20 @@
           <a:bodyPr/>
           <a:lstStyle/>
           <a:p>
+            <a:r>
+              <a:rPr lang="en-US" smtClean="0"/>
+              <a:t>Also happens in for example</a:t>
+            </a:r>
+            <a:r>
+              <a:rPr lang="en-US" baseline="0" smtClean="0"/>
+              <a:t> pre-translational regulation</a:t>
+            </a:r>
+          </a:p>
+          <a:p>
+            <a:r>
+              <a:rPr lang="en-US" baseline="0" smtClean="0"/>
+              <a:t>Interaction studied using UV-light cross-linking</a:t>
+            </a:r>
             <a:endParaRPr lang="en-US"/>
           </a:p>
         </p:txBody>
@@ -1608,10 +1616,7 @@
               <a:tabLst/>
               <a:defRPr/>
             </a:pPr>
-            <a:r>
-              <a:rPr lang="en-US" smtClean="0"/>
-              <a:t>id = data</a:t>
-            </a:r>
+            <a:endParaRPr lang="en-US" smtClean="0"/>
           </a:p>
         </p:txBody>
       </p:sp>
@@ -1701,9 +1706,18 @@
             </a:r>
             <a:r>
               <a:rPr lang="en-US" baseline="0" smtClean="0"/>
-              <a:t> the identification rate compared to using some score that makes mathematically or chemically sense and is often times a combination of certain sub scores.</a:t>
-            </a:r>
-            <a:endParaRPr lang="en-US"/>
+              <a:t> the identification rate compared to using some score that makes mathematically or chemically sense and is often times a combination of certain sub scores</a:t>
+            </a:r>
+            <a:r>
+              <a:rPr lang="en-US" baseline="0" smtClean="0"/>
+              <a:t>.</a:t>
+            </a:r>
+          </a:p>
+          <a:p>
+            <a:r>
+              <a:rPr lang="en-US" baseline="0" smtClean="0"/>
+              <a:t>q-value</a:t>
+            </a:r>
           </a:p>
         </p:txBody>
       </p:sp>
@@ -1893,7 +1907,7 @@
           <a:bodyPr/>
           <a:lstStyle/>
           <a:p>
-            <a:pPr marL="171450" marR="0" lvl="0" indent="-171450" algn="l" defTabSz="914400" rtl="0" eaLnBrk="1" fontAlgn="auto" latinLnBrk="0" hangingPunct="1">
+            <a:pPr marL="0" marR="0" lvl="0" indent="0" algn="l" defTabSz="914400" rtl="0" eaLnBrk="1" fontAlgn="auto" latinLnBrk="0" hangingPunct="1">
               <a:lnSpc>
                 <a:spcPct val="100000"/>
               </a:lnSpc>
@@ -1906,70 +1920,11 @@
               <a:buClrTx/>
               <a:buSzTx/>
               <a:buFont typeface="Arial" panose="020B0604020202020204" pitchFamily="34" charset="0"/>
-              <a:buChar char="•"/>
+              <a:buNone/>
               <a:tabLst/>
               <a:defRPr/>
             </a:pPr>
-            <a:r>
-              <a:rPr lang="en-US"/>
-              <a:t>optimalRanking</a:t>
-            </a:r>
-          </a:p>
-          <a:p>
-            <a:pPr marL="171450" indent="-171450">
-              <a:buFont typeface="Arial" panose="020B0604020202020204" pitchFamily="34" charset="0"/>
-              <a:buChar char="•"/>
-            </a:pPr>
-            <a:r>
-              <a:rPr lang="en-US"/>
-              <a:t>small datasets</a:t>
-            </a:r>
-          </a:p>
-          <a:p>
-            <a:pPr marL="171450" marR="0" lvl="0" indent="-171450" algn="l" defTabSz="914400" rtl="0" eaLnBrk="1" fontAlgn="auto" latinLnBrk="0" hangingPunct="1">
-              <a:lnSpc>
-                <a:spcPct val="100000"/>
-              </a:lnSpc>
-              <a:spcBef>
-                <a:spcPts val="0"/>
-              </a:spcBef>
-              <a:spcAft>
-                <a:spcPts val="0"/>
-              </a:spcAft>
-              <a:buClrTx/>
-              <a:buSzTx/>
-              <a:buFont typeface="Arial" panose="020B0604020202020204" pitchFamily="34" charset="0"/>
-              <a:buChar char="•"/>
-              <a:tabLst/>
-              <a:defRPr/>
-            </a:pPr>
-            <a:r>
-              <a:rPr lang="en-US"/>
-              <a:t>imputation</a:t>
-            </a:r>
-          </a:p>
-          <a:p>
-            <a:pPr marL="171450" marR="0" lvl="0" indent="-171450" algn="l" defTabSz="914400" rtl="0" eaLnBrk="1" fontAlgn="auto" latinLnBrk="0" hangingPunct="1">
-              <a:lnSpc>
-                <a:spcPct val="100000"/>
-              </a:lnSpc>
-              <a:spcBef>
-                <a:spcPts val="0"/>
-              </a:spcBef>
-              <a:spcAft>
-                <a:spcPts val="0"/>
-              </a:spcAft>
-              <a:buClrTx/>
-              <a:buSzTx/>
-              <a:buFont typeface="Arial" panose="020B0604020202020204" pitchFamily="34" charset="0"/>
-              <a:buChar char="•"/>
-              <a:tabLst/>
-              <a:defRPr/>
-            </a:pPr>
-            <a:r>
-              <a:rPr lang="en-US"/>
-              <a:t>proportion</a:t>
-            </a:r>
+            <a:endParaRPr lang="en-US"/>
           </a:p>
         </p:txBody>
       </p:sp>
@@ -2151,11 +2106,11 @@
             </a:pPr>
             <a:r>
               <a:rPr lang="en-US" sz="1200" smtClean="0"/>
-              <a:t>X-axis, y-axis,</a:t>
-            </a:r>
-            <a:r>
-              <a:rPr lang="en-US" sz="1200" baseline="0" smtClean="0"/>
-              <a:t> ROC curves, etc. </a:t>
+              <a:t>X-axis, </a:t>
+            </a:r>
+            <a:r>
+              <a:rPr lang="en-US" sz="1200" smtClean="0"/>
+              <a:t>y-axis</a:t>
             </a:r>
             <a:endParaRPr lang="en-US" sz="1200" smtClean="0"/>
           </a:p>
@@ -2186,8 +2141,23 @@
             </a:pPr>
             <a:r>
               <a:rPr lang="en-US" sz="1200" smtClean="0"/>
-              <a:t>Calculate area under the curve (AUC)</a:t>
-            </a:r>
+              <a:t>Calculate area under the curve (AUC</a:t>
+            </a:r>
+            <a:r>
+              <a:rPr lang="en-US" sz="1200" smtClean="0"/>
+              <a:t>)</a:t>
+            </a:r>
+          </a:p>
+          <a:p>
+            <a:pPr marL="457200" indent="-457200">
+              <a:buFont typeface="Arial" panose="020B0604020202020204" pitchFamily="34" charset="0"/>
+              <a:buChar char="•"/>
+            </a:pPr>
+            <a:r>
+              <a:rPr lang="en-US" sz="1200" smtClean="0"/>
+              <a:t>Called pseudo ROC</a:t>
+            </a:r>
+            <a:endParaRPr lang="en-US" sz="1200" smtClean="0"/>
           </a:p>
           <a:p>
             <a:endParaRPr lang="en-US"/>
@@ -2361,7 +2331,7 @@
           <a:p>
             <a:fld id="{4A884780-86EC-44B2-8C24-4BA698643E29}" type="datetime1">
               <a:rPr lang="en-US" smtClean="0"/>
-              <a:t>9/13/2020</a:t>
+              <a:t>9/14/2020</a:t>
             </a:fld>
             <a:endParaRPr lang="en-US"/>
           </a:p>
@@ -2531,7 +2501,7 @@
           <a:p>
             <a:fld id="{AADC1BCB-AB60-406D-8AC6-17D9A74A2AAC}" type="datetime1">
               <a:rPr lang="en-US" smtClean="0"/>
-              <a:t>9/13/2020</a:t>
+              <a:t>9/14/2020</a:t>
             </a:fld>
             <a:endParaRPr lang="en-US"/>
           </a:p>
@@ -2711,7 +2681,7 @@
           <a:p>
             <a:fld id="{27496A66-396C-402A-B4F0-A10406B7AD80}" type="datetime1">
               <a:rPr lang="en-US" smtClean="0"/>
-              <a:t>9/13/2020</a:t>
+              <a:t>9/14/2020</a:t>
             </a:fld>
             <a:endParaRPr lang="en-US"/>
           </a:p>
@@ -2881,7 +2851,7 @@
           <a:p>
             <a:fld id="{706F8AA5-B1AD-4CF3-9B29-BC36643565BD}" type="datetime1">
               <a:rPr lang="en-US" smtClean="0"/>
-              <a:t>9/13/2020</a:t>
+              <a:t>9/14/2020</a:t>
             </a:fld>
             <a:endParaRPr lang="en-US"/>
           </a:p>
@@ -3127,7 +3097,7 @@
           <a:p>
             <a:fld id="{3DEBDFF6-0D6E-41B4-8DBD-7FA10C2DF7E7}" type="datetime1">
               <a:rPr lang="en-US" smtClean="0"/>
-              <a:t>9/13/2020</a:t>
+              <a:t>9/14/2020</a:t>
             </a:fld>
             <a:endParaRPr lang="en-US"/>
           </a:p>
@@ -3359,7 +3329,7 @@
           <a:p>
             <a:fld id="{6F886A50-09B4-4D51-96FE-E3C885713AC8}" type="datetime1">
               <a:rPr lang="en-US" smtClean="0"/>
-              <a:t>9/13/2020</a:t>
+              <a:t>9/14/2020</a:t>
             </a:fld>
             <a:endParaRPr lang="en-US"/>
           </a:p>
@@ -3726,7 +3696,7 @@
           <a:p>
             <a:fld id="{9479AA9E-D992-41F1-8B53-25FD65C58F71}" type="datetime1">
               <a:rPr lang="en-US" smtClean="0"/>
-              <a:t>9/13/2020</a:t>
+              <a:t>9/14/2020</a:t>
             </a:fld>
             <a:endParaRPr lang="en-US"/>
           </a:p>
@@ -3844,7 +3814,7 @@
           <a:p>
             <a:fld id="{F7A5F7B2-2502-49F3-854F-A0EEE37A899F}" type="datetime1">
               <a:rPr lang="en-US" smtClean="0"/>
-              <a:t>9/13/2020</a:t>
+              <a:t>9/14/2020</a:t>
             </a:fld>
             <a:endParaRPr lang="en-US"/>
           </a:p>
@@ -3939,7 +3909,7 @@
           <a:p>
             <a:fld id="{C7CC5657-5A4F-4531-92BB-0D2743808479}" type="datetime1">
               <a:rPr lang="en-US" smtClean="0"/>
-              <a:t>9/13/2020</a:t>
+              <a:t>9/14/2020</a:t>
             </a:fld>
             <a:endParaRPr lang="en-US"/>
           </a:p>
@@ -4216,7 +4186,7 @@
           <a:p>
             <a:fld id="{F0EB73E1-7398-4068-A23D-DE766E62163F}" type="datetime1">
               <a:rPr lang="en-US" smtClean="0"/>
-              <a:t>9/13/2020</a:t>
+              <a:t>9/14/2020</a:t>
             </a:fld>
             <a:endParaRPr lang="en-US"/>
           </a:p>
@@ -4469,7 +4439,7 @@
           <a:p>
             <a:fld id="{41F9CB94-D7CE-4016-B699-52E75188EDE1}" type="datetime1">
               <a:rPr lang="en-US" smtClean="0"/>
-              <a:t>9/13/2020</a:t>
+              <a:t>9/14/2020</a:t>
             </a:fld>
             <a:endParaRPr lang="en-US"/>
           </a:p>
@@ -4682,7 +4652,7 @@
           <a:p>
             <a:fld id="{C4DF45EA-E939-459B-9A56-151F71B90521}" type="datetime1">
               <a:rPr lang="en-US" smtClean="0"/>
-              <a:t>9/13/2020</a:t>
+              <a:t>9/14/2020</a:t>
             </a:fld>
             <a:endParaRPr lang="en-US"/>
           </a:p>
@@ -5229,11 +5199,19 @@
             </a:r>
             <a:r>
               <a:rPr lang="en-US"/>
-              <a:t>Reranking of multiple candidates during </a:t>
+              <a:t>Reranking of </a:t>
             </a:r>
             <a:r>
               <a:rPr lang="en-US" smtClean="0"/>
-              <a:t>learning</a:t>
+              <a:t>Multiple Candidates </a:t>
+            </a:r>
+            <a:r>
+              <a:rPr lang="en-US"/>
+              <a:t>during </a:t>
+            </a:r>
+            <a:r>
+              <a:rPr lang="en-US" smtClean="0"/>
+              <a:t>Learning</a:t>
             </a:r>
             <a:endParaRPr lang="en-US" dirty="0"/>
           </a:p>
@@ -5244,7 +5222,7 @@
           <p:cNvPr id="4" name="Titel 1">
             <a:extLst>
               <a:ext uri="{FF2B5EF4-FFF2-40B4-BE49-F238E27FC236}">
-                <a16:creationId xmlns:a16="http://schemas.microsoft.com/office/drawing/2014/main" xmlns="" id="{2FC55C0D-8810-49CF-BEA3-534C685CABDF}"/>
+                <a16:creationId xmlns="" xmlns:a16="http://schemas.microsoft.com/office/drawing/2014/main" id="{2FC55C0D-8810-49CF-BEA3-534C685CABDF}"/>
               </a:ext>
             </a:extLst>
           </p:cNvPr>
@@ -5395,7 +5373,39 @@
                 <a:ea typeface="+mn-ea"/>
                 <a:cs typeface="+mn-cs"/>
               </a:rPr>
-              <a:t>candidate in learning with reranking might push correct ID to the top.</a:t>
+              <a:t>candidate in learning with reranking might push </a:t>
+            </a:r>
+            <a:r>
+              <a:rPr lang="en-US" sz="4000">
+                <a:latin typeface="+mn-lt"/>
+                <a:ea typeface="+mn-ea"/>
+                <a:cs typeface="+mn-cs"/>
+              </a:rPr>
+              <a:t>correct </a:t>
+            </a:r>
+            <a:r>
+              <a:rPr lang="en-US" sz="4000" smtClean="0">
+                <a:latin typeface="+mn-lt"/>
+                <a:ea typeface="+mn-ea"/>
+                <a:cs typeface="+mn-cs"/>
+              </a:rPr>
+              <a:t>PSM</a:t>
+            </a:r>
+            <a:r>
+              <a:rPr lang="en-US" sz="4000" smtClean="0">
+                <a:latin typeface="+mn-lt"/>
+                <a:ea typeface="+mn-ea"/>
+                <a:cs typeface="+mn-cs"/>
+              </a:rPr>
+              <a:t> </a:t>
+            </a:r>
+            <a:r>
+              <a:rPr lang="en-US" sz="4000" dirty="0">
+                <a:latin typeface="+mn-lt"/>
+                <a:ea typeface="+mn-ea"/>
+                <a:cs typeface="+mn-cs"/>
+              </a:rPr>
+              <a:t>to the top.</a:t>
             </a:r>
           </a:p>
           <a:p>
@@ -5452,7 +5462,7 @@
                     <p:cNvPr id="54" name="Textfeld 53">
                       <a:extLst>
                         <a:ext uri="{FF2B5EF4-FFF2-40B4-BE49-F238E27FC236}">
-                          <a16:creationId xmlns:a16="http://schemas.microsoft.com/office/drawing/2014/main" xmlns="" id="{06FDD40D-7E06-436C-BB7F-1E2C9D6F748F}"/>
+                          <a16:creationId xmlns="" xmlns:a16="http://schemas.microsoft.com/office/drawing/2014/main" id="{06FDD40D-7E06-436C-BB7F-1E2C9D6F748F}"/>
                         </a:ext>
                       </a:extLst>
                     </p:cNvPr>
@@ -7568,7 +7578,7 @@
                     <p:cNvPr id="55" name="Textfeld 54">
                       <a:extLst>
                         <a:ext uri="{FF2B5EF4-FFF2-40B4-BE49-F238E27FC236}">
-                          <a16:creationId xmlns:a16="http://schemas.microsoft.com/office/drawing/2014/main" xmlns="" id="{4BD2D10C-6C27-4C88-8B53-03B9677724A1}"/>
+                          <a16:creationId xmlns="" xmlns:a16="http://schemas.microsoft.com/office/drawing/2014/main" id="{4BD2D10C-6C27-4C88-8B53-03B9677724A1}"/>
                         </a:ext>
                       </a:extLst>
                     </p:cNvPr>
@@ -7667,7 +7677,7 @@
                     <p:cNvPr id="56" name="Textfeld 55">
                       <a:extLst>
                         <a:ext uri="{FF2B5EF4-FFF2-40B4-BE49-F238E27FC236}">
-                          <a16:creationId xmlns:a16="http://schemas.microsoft.com/office/drawing/2014/main" xmlns="" id="{DA6D8EC8-16C5-41B4-9D89-8A1480E0E523}"/>
+                          <a16:creationId xmlns="" xmlns:a16="http://schemas.microsoft.com/office/drawing/2014/main" id="{DA6D8EC8-16C5-41B4-9D89-8A1480E0E523}"/>
                         </a:ext>
                       </a:extLst>
                     </p:cNvPr>
@@ -7761,7 +7771,7 @@
                 <p:cNvPr id="57" name="Rechteck 56">
                   <a:extLst>
                     <a:ext uri="{FF2B5EF4-FFF2-40B4-BE49-F238E27FC236}">
-                      <a16:creationId xmlns:a16="http://schemas.microsoft.com/office/drawing/2014/main" xmlns="" id="{25DD8899-90D0-4997-A326-635279A79ABC}"/>
+                      <a16:creationId xmlns="" xmlns:a16="http://schemas.microsoft.com/office/drawing/2014/main" id="{25DD8899-90D0-4997-A326-635279A79ABC}"/>
                     </a:ext>
                   </a:extLst>
                 </p:cNvPr>
@@ -7816,7 +7826,7 @@
               <p:cNvPr id="3" name="TextBox 2">
                 <a:extLst>
                   <a:ext uri="{FF2B5EF4-FFF2-40B4-BE49-F238E27FC236}">
-                    <a16:creationId xmlns:a16="http://schemas.microsoft.com/office/drawing/2014/main" xmlns="" id="{AD7D7DD3-99BF-4E15-936B-3AF28F6FA55C}"/>
+                    <a16:creationId xmlns="" xmlns:a16="http://schemas.microsoft.com/office/drawing/2014/main" id="{AD7D7DD3-99BF-4E15-936B-3AF28F6FA55C}"/>
                   </a:ext>
                 </a:extLst>
               </p:cNvPr>
@@ -7899,7 +7909,7 @@
             <p:cNvPr id="6" name="TextBox 5">
               <a:extLst>
                 <a:ext uri="{FF2B5EF4-FFF2-40B4-BE49-F238E27FC236}">
-                  <a16:creationId xmlns:a16="http://schemas.microsoft.com/office/drawing/2014/main" xmlns="" id="{0D863C17-664D-4EAB-802D-282AF5B11580}"/>
+                  <a16:creationId xmlns="" xmlns:a16="http://schemas.microsoft.com/office/drawing/2014/main" id="{0D863C17-664D-4EAB-802D-282AF5B11580}"/>
                 </a:ext>
               </a:extLst>
             </p:cNvPr>
@@ -8045,7 +8055,19 @@
             </a:r>
             <a:r>
               <a:rPr lang="en-US" smtClean="0"/>
-              <a:t>Reranking of multiple candidates during learning</a:t>
+              <a:t>Reranking of </a:t>
+            </a:r>
+            <a:r>
+              <a:rPr lang="en-US" smtClean="0"/>
+              <a:t>Multiple Candidates </a:t>
+            </a:r>
+            <a:r>
+              <a:rPr lang="en-US" smtClean="0"/>
+              <a:t>during </a:t>
+            </a:r>
+            <a:r>
+              <a:rPr lang="en-US" smtClean="0"/>
+              <a:t>Learning</a:t>
             </a:r>
             <a:endParaRPr lang="en-US" dirty="0"/>
           </a:p>
@@ -8087,8 +8109,8 @@
         </p:nvSpPr>
         <p:spPr>
           <a:xfrm>
-            <a:off x="1097281" y="5888096"/>
-            <a:ext cx="9997438" cy="523220"/>
+            <a:off x="7526956" y="1873568"/>
+            <a:ext cx="3897228" cy="1384995"/>
           </a:xfrm>
           <a:prstGeom prst="rect">
             <a:avLst/>
@@ -8116,8 +8138,9 @@
             </a:r>
             <a:r>
               <a:rPr lang="en-US" sz="2800" smtClean="0"/>
-              <a:t>only</a:t>
-            </a:r>
+              <a:t>only (previous best)</a:t>
+            </a:r>
+            <a:endParaRPr lang="en-US" sz="2800" smtClean="0"/>
           </a:p>
         </p:txBody>
       </p:sp>
@@ -8129,7 +8152,7 @@
         </p:nvSpPr>
         <p:spPr>
           <a:xfrm>
-            <a:off x="8063364" y="3236286"/>
+            <a:off x="8063364" y="4338120"/>
             <a:ext cx="3360820" cy="461665"/>
           </a:xfrm>
           <a:prstGeom prst="rect">
@@ -8154,14 +8177,14 @@
         <p:nvCxnSpPr>
           <p:cNvPr id="9" name="Gerade Verbindung mit Pfeil 8"/>
           <p:cNvCxnSpPr>
-            <a:stCxn id="8" idx="2"/>
+            <a:stCxn id="8" idx="0"/>
           </p:cNvCxnSpPr>
           <p:nvPr/>
         </p:nvCxnSpPr>
         <p:spPr>
-          <a:xfrm flipH="1">
-            <a:off x="7146758" y="3697951"/>
-            <a:ext cx="2597016" cy="477007"/>
+          <a:xfrm flipH="1" flipV="1">
+            <a:off x="7215810" y="4154557"/>
+            <a:ext cx="2527964" cy="183563"/>
           </a:xfrm>
           <a:prstGeom prst="straightConnector1">
             <a:avLst/>
@@ -8211,6 +8234,109 @@
           </a:p>
         </p:txBody>
       </p:sp>
+      <p:grpSp>
+        <p:nvGrpSpPr>
+          <p:cNvPr id="10" name="Gruppieren 9"/>
+          <p:cNvGrpSpPr/>
+          <p:nvPr/>
+        </p:nvGrpSpPr>
+        <p:grpSpPr>
+          <a:xfrm>
+            <a:off x="736333" y="1557993"/>
+            <a:ext cx="4353811" cy="4685086"/>
+            <a:chOff x="696034" y="1588883"/>
+            <a:chExt cx="3351793" cy="3790190"/>
+          </a:xfrm>
+        </p:grpSpPr>
+        <p:sp>
+          <p:nvSpPr>
+            <p:cNvPr id="11" name="Textfeld 10"/>
+            <p:cNvSpPr txBox="1"/>
+            <p:nvPr/>
+          </p:nvSpPr>
+          <p:spPr>
+            <a:xfrm>
+              <a:off x="3114983" y="5009741"/>
+              <a:ext cx="932844" cy="369332"/>
+            </a:xfrm>
+            <a:prstGeom prst="rect">
+              <a:avLst/>
+            </a:prstGeom>
+            <a:noFill/>
+          </p:spPr>
+          <p:txBody>
+            <a:bodyPr wrap="square" rtlCol="0">
+              <a:spAutoFit/>
+            </a:bodyPr>
+            <a:lstStyle/>
+            <a:p>
+              <a:pPr algn="ctr"/>
+              <a:r>
+                <a:rPr lang="en-US">
+                  <a:latin typeface="Arial" panose="020B0604020202020204" pitchFamily="34" charset="0"/>
+                  <a:cs typeface="Arial" panose="020B0604020202020204" pitchFamily="34" charset="0"/>
+                </a:rPr>
+                <a:t>q</a:t>
+              </a:r>
+              <a:r>
+                <a:rPr lang="en-US" smtClean="0">
+                  <a:latin typeface="Arial" panose="020B0604020202020204" pitchFamily="34" charset="0"/>
+                  <a:cs typeface="Arial" panose="020B0604020202020204" pitchFamily="34" charset="0"/>
+                </a:rPr>
+                <a:t>-value</a:t>
+              </a:r>
+              <a:endParaRPr lang="en-US" sz="1600">
+                <a:latin typeface="Arial" panose="020B0604020202020204" pitchFamily="34" charset="0"/>
+                <a:cs typeface="Arial" panose="020B0604020202020204" pitchFamily="34" charset="0"/>
+              </a:endParaRPr>
+            </a:p>
+          </p:txBody>
+        </p:sp>
+        <p:sp>
+          <p:nvSpPr>
+            <p:cNvPr id="12" name="Textfeld 11"/>
+            <p:cNvSpPr txBox="1"/>
+            <p:nvPr/>
+          </p:nvSpPr>
+          <p:spPr>
+            <a:xfrm rot="16200000">
+              <a:off x="-1056895" y="3341812"/>
+              <a:ext cx="3790190" cy="284331"/>
+            </a:xfrm>
+            <a:prstGeom prst="rect">
+              <a:avLst/>
+            </a:prstGeom>
+            <a:noFill/>
+          </p:spPr>
+          <p:txBody>
+            <a:bodyPr wrap="square" rtlCol="0">
+              <a:spAutoFit/>
+            </a:bodyPr>
+            <a:lstStyle/>
+            <a:p>
+              <a:pPr algn="ctr"/>
+              <a:r>
+                <a:rPr lang="en-US" smtClean="0">
+                  <a:latin typeface="Arial" panose="020B0604020202020204" pitchFamily="34" charset="0"/>
+                  <a:cs typeface="Arial" panose="020B0604020202020204" pitchFamily="34" charset="0"/>
+                </a:rPr>
+                <a:t>Number of Identified </a:t>
+              </a:r>
+              <a:r>
+                <a:rPr lang="en-US" smtClean="0">
+                  <a:latin typeface="Arial" panose="020B0604020202020204" pitchFamily="34" charset="0"/>
+                  <a:cs typeface="Arial" panose="020B0604020202020204" pitchFamily="34" charset="0"/>
+                </a:rPr>
+                <a:t>Cross-linked PSMs</a:t>
+              </a:r>
+              <a:endParaRPr lang="en-US">
+                <a:latin typeface="Arial" panose="020B0604020202020204" pitchFamily="34" charset="0"/>
+                <a:cs typeface="Arial" panose="020B0604020202020204" pitchFamily="34" charset="0"/>
+              </a:endParaRPr>
+            </a:p>
+          </p:txBody>
+        </p:sp>
+      </p:grpSp>
     </p:spTree>
     <p:extLst>
       <p:ext uri="{BB962C8B-B14F-4D97-AF65-F5344CB8AC3E}">
@@ -8268,12 +8394,8 @@
               <a:t>Experiment: </a:t>
             </a:r>
             <a:r>
-              <a:rPr lang="en-US" smtClean="0"/>
-              <a:t>Impact </a:t>
-            </a:r>
-            <a:r>
               <a:rPr lang="en-US"/>
-              <a:t>of small number of IDs on performance</a:t>
+              <a:t>Impact of Small Number of PSMs on Algorithm Performance</a:t>
             </a:r>
           </a:p>
         </p:txBody>
@@ -8601,7 +8723,7 @@
           <p:cNvPr id="7" name="Inhaltsplatzhalter 7">
             <a:extLst>
               <a:ext uri="{FF2B5EF4-FFF2-40B4-BE49-F238E27FC236}">
-                <a16:creationId xmlns:a16="http://schemas.microsoft.com/office/drawing/2014/main" xmlns="" id="{718483C6-6AAD-434F-B835-EBBE7220B57E}"/>
+                <a16:creationId xmlns="" xmlns:a16="http://schemas.microsoft.com/office/drawing/2014/main" id="{718483C6-6AAD-434F-B835-EBBE7220B57E}"/>
               </a:ext>
             </a:extLst>
           </p:cNvPr>
@@ -8699,8 +8821,9 @@
             </a:r>
             <a:r>
               <a:rPr lang="en-US"/>
-              <a:t>Impact of small number of IDs on performance</a:t>
-            </a:r>
+              <a:t>Impact of Small Number of PSMs on Algorithm Performance</a:t>
+            </a:r>
+            <a:endParaRPr lang="en-US"/>
           </a:p>
         </p:txBody>
       </p:sp>
@@ -8709,7 +8832,7 @@
           <p:cNvPr id="8" name="Textfeld 9">
             <a:extLst>
               <a:ext uri="{FF2B5EF4-FFF2-40B4-BE49-F238E27FC236}">
-                <a16:creationId xmlns:a16="http://schemas.microsoft.com/office/drawing/2014/main" xmlns="" id="{04D5EF84-536D-40EA-AD76-7476BD2F14DB}"/>
+                <a16:creationId xmlns="" xmlns:a16="http://schemas.microsoft.com/office/drawing/2014/main" id="{04D5EF84-536D-40EA-AD76-7476BD2F14DB}"/>
               </a:ext>
             </a:extLst>
           </p:cNvPr>
@@ -8850,7 +8973,7 @@
           <p:cNvPr id="4" name="Straight Connector 3">
             <a:extLst>
               <a:ext uri="{FF2B5EF4-FFF2-40B4-BE49-F238E27FC236}">
-                <a16:creationId xmlns:a16="http://schemas.microsoft.com/office/drawing/2014/main" xmlns="" id="{BA8CF9D0-9B7A-42C2-8BF7-BA0C72A8E82C}"/>
+                <a16:creationId xmlns="" xmlns:a16="http://schemas.microsoft.com/office/drawing/2014/main" id="{BA8CF9D0-9B7A-42C2-8BF7-BA0C72A8E82C}"/>
               </a:ext>
             </a:extLst>
           </p:cNvPr>
@@ -8965,7 +9088,7 @@
           <p:cNvPr id="12" name="Straight Connector 3">
             <a:extLst>
               <a:ext uri="{FF2B5EF4-FFF2-40B4-BE49-F238E27FC236}">
-                <a16:creationId xmlns:a16="http://schemas.microsoft.com/office/drawing/2014/main" xmlns="" id="{BA8CF9D0-9B7A-42C2-8BF7-BA0C72A8E82C}"/>
+                <a16:creationId xmlns="" xmlns:a16="http://schemas.microsoft.com/office/drawing/2014/main" id="{BA8CF9D0-9B7A-42C2-8BF7-BA0C72A8E82C}"/>
               </a:ext>
             </a:extLst>
           </p:cNvPr>
@@ -9140,6 +9263,9 @@
             <a:endParaRPr lang="en-US" dirty="0"/>
           </a:p>
           <a:p>
+            <a:pPr marL="0" indent="0">
+              <a:buNone/>
+            </a:pPr>
             <a:r>
               <a:rPr lang="en-US"/>
               <a:t>The iterative imputer </a:t>
@@ -9174,6 +9300,9 @@
             <a:endParaRPr lang="en-US" dirty="0"/>
           </a:p>
           <a:p>
+            <a:pPr marL="0" indent="0">
+              <a:buNone/>
+            </a:pPr>
             <a:r>
               <a:rPr lang="en-US" dirty="0"/>
               <a:t>Performance did not improve on the dataset</a:t>
@@ -9265,8 +9394,13 @@
             </a:r>
             <a:r>
               <a:rPr lang="en-US"/>
-              <a:t>Class balancing </a:t>
-            </a:r>
+              <a:t>Class </a:t>
+            </a:r>
+            <a:r>
+              <a:rPr lang="en-US" smtClean="0"/>
+              <a:t>Balancing </a:t>
+            </a:r>
+            <a:endParaRPr lang="en-US"/>
           </a:p>
         </p:txBody>
       </p:sp>
@@ -9301,7 +9435,11 @@
             </a:r>
             <a:r>
               <a:rPr lang="en-US" smtClean="0"/>
-              <a:t> Ratio </a:t>
+              <a:t> </a:t>
+            </a:r>
+            <a:r>
+              <a:rPr lang="en-US" smtClean="0"/>
+              <a:t>Ratios </a:t>
             </a:r>
             <a:r>
               <a:rPr lang="en-US"/>
@@ -9309,7 +9447,11 @@
             </a:r>
             <a:r>
               <a:rPr lang="en-US" smtClean="0"/>
-              <a:t>targets to decoys and cross-linked to linear peptides not even</a:t>
+              <a:t>targets to decoys and cross-linked to linear peptides </a:t>
+            </a:r>
+            <a:r>
+              <a:rPr lang="en-US" smtClean="0"/>
+              <a:t>differ</a:t>
             </a:r>
             <a:endParaRPr lang="en-US" dirty="0"/>
           </a:p>
@@ -12709,7 +12851,11 @@
             </a:r>
             <a:r>
               <a:rPr lang="en-US"/>
-              <a:t>Class balancing </a:t>
+              <a:t>Class </a:t>
+            </a:r>
+            <a:r>
+              <a:rPr lang="en-US" smtClean="0"/>
+              <a:t>Balancing </a:t>
             </a:r>
             <a:endParaRPr lang="en-US" dirty="0"/>
           </a:p>
@@ -15040,40 +15186,41 @@
           <a:p>
             <a:pPr lvl="1"/>
             <a:r>
-              <a:rPr lang="en-US" dirty="0"/>
-              <a:t>Nucleic-Acid protein interactions</a:t>
+              <a:rPr lang="en-US"/>
+              <a:t>Nucleic Acid </a:t>
+            </a:r>
+            <a:r>
+              <a:rPr lang="en-US"/>
+              <a:t>Protein </a:t>
+            </a:r>
+            <a:r>
+              <a:rPr lang="en-US" smtClean="0"/>
+              <a:t>Interactions</a:t>
             </a:r>
           </a:p>
           <a:p>
             <a:pPr lvl="1"/>
             <a:r>
-              <a:rPr lang="en-US" dirty="0"/>
-              <a:t>Cross-linking mass </a:t>
+              <a:rPr lang="en-US" smtClean="0"/>
+              <a:t>Cross-linking Mass Spectrometry </a:t>
+            </a:r>
+            <a:endParaRPr lang="en-US"/>
+          </a:p>
+          <a:p>
+            <a:pPr lvl="1"/>
+            <a:r>
+              <a:rPr lang="en-US" smtClean="0"/>
+              <a:t>Score Post-processing </a:t>
             </a:r>
             <a:r>
               <a:rPr lang="en-US"/>
-              <a:t>spectrometry </a:t>
+              <a:t>using </a:t>
+            </a:r>
+            <a:r>
+              <a:rPr lang="en-US" smtClean="0"/>
+              <a:t>Semi-supervised Learning</a:t>
             </a:r>
             <a:endParaRPr lang="en-US" smtClean="0"/>
-          </a:p>
-          <a:p>
-            <a:pPr lvl="1"/>
-            <a:r>
-              <a:rPr lang="en-US" smtClean="0"/>
-              <a:t>Score </a:t>
-            </a:r>
-            <a:r>
-              <a:rPr lang="en-US" dirty="0"/>
-              <a:t>post-processing using </a:t>
-            </a:r>
-            <a:r>
-              <a:rPr lang="en-US"/>
-              <a:t>semi-supervised </a:t>
-            </a:r>
-            <a:r>
-              <a:rPr lang="en-US" smtClean="0"/>
-              <a:t>learning</a:t>
-            </a:r>
           </a:p>
           <a:p>
             <a:pPr lvl="1"/>
@@ -15083,8 +15230,9 @@
             </a:r>
             <a:r>
               <a:rPr lang="en-US" smtClean="0"/>
-              <a:t>identification</a:t>
-            </a:r>
+              <a:t>Identification</a:t>
+            </a:r>
+            <a:endParaRPr lang="en-US" smtClean="0"/>
           </a:p>
           <a:p>
             <a:pPr marL="0" indent="0">
@@ -15103,7 +15251,15 @@
             </a:r>
             <a:r>
               <a:rPr lang="en-US" dirty="0"/>
-              <a:t>– Percolator reimplementation </a:t>
+              <a:t>– </a:t>
+            </a:r>
+            <a:r>
+              <a:rPr lang="en-US"/>
+              <a:t>Percolator </a:t>
+            </a:r>
+            <a:r>
+              <a:rPr lang="en-US" smtClean="0"/>
+              <a:t>Reimplementation </a:t>
             </a:r>
             <a:r>
               <a:rPr lang="en-US"/>
@@ -15118,8 +15274,21 @@
             <a:pPr lvl="1"/>
             <a:r>
               <a:rPr lang="en-US" smtClean="0"/>
-              <a:t>Performance metric: pseudo ROC curves </a:t>
-            </a:r>
+              <a:t>Performance </a:t>
+            </a:r>
+            <a:r>
+              <a:rPr lang="en-US" smtClean="0"/>
+              <a:t>Metric</a:t>
+            </a:r>
+            <a:r>
+              <a:rPr lang="en-US" smtClean="0"/>
+              <a:t>: </a:t>
+            </a:r>
+            <a:r>
+              <a:rPr lang="en-US" smtClean="0"/>
+              <a:t>Pseudo ROC</a:t>
+            </a:r>
+            <a:endParaRPr lang="en-US" smtClean="0"/>
           </a:p>
           <a:p>
             <a:pPr marL="0" indent="0">
@@ -15135,14 +15304,51 @@
             <a:pPr lvl="1"/>
             <a:r>
               <a:rPr lang="en-US" dirty="0"/>
-              <a:t>Reranking of multiple candidates during learning</a:t>
-            </a:r>
+              <a:t>Reranking </a:t>
+            </a:r>
+            <a:r>
+              <a:rPr lang="en-US"/>
+              <a:t>of </a:t>
+            </a:r>
+            <a:r>
+              <a:rPr lang="en-US" smtClean="0"/>
+              <a:t>Multiple Candidates </a:t>
+            </a:r>
+            <a:r>
+              <a:rPr lang="en-US"/>
+              <a:t>during </a:t>
+            </a:r>
+            <a:r>
+              <a:rPr lang="en-US" smtClean="0"/>
+              <a:t>Learning</a:t>
+            </a:r>
+            <a:endParaRPr lang="en-US" dirty="0"/>
           </a:p>
           <a:p>
             <a:pPr lvl="1"/>
             <a:r>
               <a:rPr lang="en-US" dirty="0"/>
-              <a:t>Impact of small number of IDs </a:t>
+              <a:t>Impact </a:t>
+            </a:r>
+            <a:r>
+              <a:rPr lang="en-US"/>
+              <a:t>of </a:t>
+            </a:r>
+            <a:r>
+              <a:rPr lang="en-US" smtClean="0"/>
+              <a:t>Small Number </a:t>
+            </a:r>
+            <a:r>
+              <a:rPr lang="en-US"/>
+              <a:t>of </a:t>
+            </a:r>
+            <a:r>
+              <a:rPr lang="en-US" smtClean="0"/>
+              <a:t>PSM</a:t>
+            </a:r>
+            <a:r>
+              <a:rPr lang="en-US" smtClean="0"/>
+              <a:t>s </a:t>
             </a:r>
             <a:r>
               <a:rPr lang="en-US"/>
@@ -15150,7 +15356,7 @@
             </a:r>
             <a:r>
               <a:rPr lang="en-US" smtClean="0"/>
-              <a:t>algorithm performance</a:t>
+              <a:t>Algorithm Performance</a:t>
             </a:r>
             <a:endParaRPr lang="en-US" dirty="0"/>
           </a:p>
@@ -15164,9 +15370,14 @@
           <a:p>
             <a:pPr lvl="1"/>
             <a:r>
-              <a:rPr lang="en-US" dirty="0"/>
-              <a:t>Class balancing </a:t>
-            </a:r>
+              <a:rPr lang="en-US"/>
+              <a:t>Class </a:t>
+            </a:r>
+            <a:r>
+              <a:rPr lang="en-US" smtClean="0"/>
+              <a:t>Balancing </a:t>
+            </a:r>
+            <a:endParaRPr lang="en-US" dirty="0"/>
           </a:p>
           <a:p>
             <a:pPr marL="0" indent="0">
@@ -15277,7 +15488,7 @@
           <p:cNvPr id="2" name="Title 1">
             <a:extLst>
               <a:ext uri="{FF2B5EF4-FFF2-40B4-BE49-F238E27FC236}">
-                <a16:creationId xmlns:a16="http://schemas.microsoft.com/office/drawing/2014/main" xmlns="" id="{0D01AD33-B3AC-4480-AB6A-2F491A7D81C1}"/>
+                <a16:creationId xmlns="" xmlns:a16="http://schemas.microsoft.com/office/drawing/2014/main" id="{0D01AD33-B3AC-4480-AB6A-2F491A7D81C1}"/>
               </a:ext>
             </a:extLst>
           </p:cNvPr>
@@ -15296,12 +15507,16 @@
           <a:lstStyle/>
           <a:p>
             <a:r>
-              <a:rPr lang="en-US" sz="4000" b="1" dirty="0"/>
+              <a:rPr lang="en-US" sz="4000" b="1"/>
               <a:t>Background</a:t>
             </a:r>
             <a:r>
-              <a:rPr lang="en-US" sz="4000" dirty="0"/>
-              <a:t> - Nucleic-Acid protein interactions</a:t>
+              <a:rPr lang="en-US" sz="4000"/>
+              <a:t> </a:t>
+            </a:r>
+            <a:r>
+              <a:rPr lang="en-US" sz="4000" smtClean="0"/>
+              <a:t>– Nucleic Acid Protein Interactions</a:t>
             </a:r>
             <a:endParaRPr lang="de-DE" sz="4000" dirty="0"/>
           </a:p>
@@ -15587,12 +15802,8 @@
               <a:t>Cross-linking </a:t>
             </a:r>
             <a:r>
-              <a:rPr lang="en-US"/>
-              <a:t>mass </a:t>
-            </a:r>
-            <a:r>
               <a:rPr lang="en-US" smtClean="0"/>
-              <a:t>spectrometry</a:t>
+              <a:t>Mass Spectrometry</a:t>
             </a:r>
             <a:endParaRPr lang="en-US" dirty="0"/>
           </a:p>
@@ -15742,16 +15953,16 @@
               <a:t>Score </a:t>
             </a:r>
             <a:r>
-              <a:rPr lang="en-US" dirty="0"/>
-              <a:t>post-processing using </a:t>
+              <a:rPr lang="en-US" smtClean="0"/>
+              <a:t>Post-processing </a:t>
             </a:r>
             <a:r>
               <a:rPr lang="en-US"/>
-              <a:t>semi-supervised </a:t>
+              <a:t>using </a:t>
             </a:r>
             <a:r>
               <a:rPr lang="en-US" smtClean="0"/>
-              <a:t>learning (Percolator)</a:t>
+              <a:t>Semi-supervised Learning</a:t>
             </a:r>
             <a:endParaRPr lang="en-US" dirty="0"/>
           </a:p>
@@ -15776,7 +15987,7 @@
             <p:cNvPr id="36" name="Group 28">
               <a:extLst>
                 <a:ext uri="{FF2B5EF4-FFF2-40B4-BE49-F238E27FC236}">
-                  <a16:creationId xmlns:a16="http://schemas.microsoft.com/office/drawing/2014/main" xmlns="" id="{28395788-EA09-4A23-BD96-A53FA01A205C}"/>
+                  <a16:creationId xmlns="" xmlns:a16="http://schemas.microsoft.com/office/drawing/2014/main" id="{28395788-EA09-4A23-BD96-A53FA01A205C}"/>
                 </a:ext>
               </a:extLst>
             </p:cNvPr>
@@ -15796,7 +16007,7 @@
               <p:cNvPr id="37" name="Group 15">
                 <a:extLst>
                   <a:ext uri="{FF2B5EF4-FFF2-40B4-BE49-F238E27FC236}">
-                    <a16:creationId xmlns:a16="http://schemas.microsoft.com/office/drawing/2014/main" xmlns="" id="{44546B8D-B723-4040-AC00-8B3DA694AE40}"/>
+                    <a16:creationId xmlns="" xmlns:a16="http://schemas.microsoft.com/office/drawing/2014/main" id="{44546B8D-B723-4040-AC00-8B3DA694AE40}"/>
                   </a:ext>
                 </a:extLst>
               </p:cNvPr>
@@ -15816,7 +16027,7 @@
                 <p:cNvPr id="39" name="Group 16">
                   <a:extLst>
                     <a:ext uri="{FF2B5EF4-FFF2-40B4-BE49-F238E27FC236}">
-                      <a16:creationId xmlns:a16="http://schemas.microsoft.com/office/drawing/2014/main" xmlns="" id="{6AC89B0E-092A-420D-A041-61EF63E3CBC2}"/>
+                      <a16:creationId xmlns="" xmlns:a16="http://schemas.microsoft.com/office/drawing/2014/main" id="{6AC89B0E-092A-420D-A041-61EF63E3CBC2}"/>
                     </a:ext>
                   </a:extLst>
                 </p:cNvPr>
@@ -15836,7 +16047,7 @@
                   <p:cNvPr id="42" name="Freeform: Shape 19">
                     <a:extLst>
                       <a:ext uri="{FF2B5EF4-FFF2-40B4-BE49-F238E27FC236}">
-                        <a16:creationId xmlns:a16="http://schemas.microsoft.com/office/drawing/2014/main" xmlns="" id="{2A772B21-38F2-4C1F-9B2A-1F050B3B174A}"/>
+                        <a16:creationId xmlns="" xmlns:a16="http://schemas.microsoft.com/office/drawing/2014/main" id="{2A772B21-38F2-4C1F-9B2A-1F050B3B174A}"/>
                       </a:ext>
                     </a:extLst>
                   </p:cNvPr>
@@ -16007,7 +16218,7 @@
                   <p:cNvPr id="43" name="Freeform: Shape 20">
                     <a:extLst>
                       <a:ext uri="{FF2B5EF4-FFF2-40B4-BE49-F238E27FC236}">
-                        <a16:creationId xmlns:a16="http://schemas.microsoft.com/office/drawing/2014/main" xmlns="" id="{9EAA93AE-C1D3-4DDD-B458-A9BD755C6FD5}"/>
+                        <a16:creationId xmlns="" xmlns:a16="http://schemas.microsoft.com/office/drawing/2014/main" id="{9EAA93AE-C1D3-4DDD-B458-A9BD755C6FD5}"/>
                       </a:ext>
                     </a:extLst>
                   </p:cNvPr>
@@ -16195,7 +16406,7 @@
                   <p:cNvPr id="44" name="Straight Arrow Connector 21">
                     <a:extLst>
                       <a:ext uri="{FF2B5EF4-FFF2-40B4-BE49-F238E27FC236}">
-                        <a16:creationId xmlns:a16="http://schemas.microsoft.com/office/drawing/2014/main" xmlns="" id="{3033C3D8-0858-4021-9B16-DB2EBC612BB1}"/>
+                        <a16:creationId xmlns="" xmlns:a16="http://schemas.microsoft.com/office/drawing/2014/main" id="{3033C3D8-0858-4021-9B16-DB2EBC612BB1}"/>
                       </a:ext>
                     </a:extLst>
                   </p:cNvPr>
@@ -16237,7 +16448,7 @@
                   <p:cNvPr id="45" name="Straight Arrow Connector 22">
                     <a:extLst>
                       <a:ext uri="{FF2B5EF4-FFF2-40B4-BE49-F238E27FC236}">
-                        <a16:creationId xmlns:a16="http://schemas.microsoft.com/office/drawing/2014/main" xmlns="" id="{3285A412-DF37-4FC8-872A-3BD7F388A832}"/>
+                        <a16:creationId xmlns="" xmlns:a16="http://schemas.microsoft.com/office/drawing/2014/main" id="{3285A412-DF37-4FC8-872A-3BD7F388A832}"/>
                       </a:ext>
                     </a:extLst>
                   </p:cNvPr>
@@ -16279,7 +16490,7 @@
                   <p:cNvPr id="46" name="TextBox 23">
                     <a:extLst>
                       <a:ext uri="{FF2B5EF4-FFF2-40B4-BE49-F238E27FC236}">
-                        <a16:creationId xmlns:a16="http://schemas.microsoft.com/office/drawing/2014/main" xmlns="" id="{3B36F23F-8887-4C72-8BC1-6B0528C885D1}"/>
+                        <a16:creationId xmlns="" xmlns:a16="http://schemas.microsoft.com/office/drawing/2014/main" id="{3B36F23F-8887-4C72-8BC1-6B0528C885D1}"/>
                       </a:ext>
                     </a:extLst>
                   </p:cNvPr>
@@ -16314,7 +16525,7 @@
                   <p:cNvPr id="47" name="TextBox 24">
                     <a:extLst>
                       <a:ext uri="{FF2B5EF4-FFF2-40B4-BE49-F238E27FC236}">
-                        <a16:creationId xmlns:a16="http://schemas.microsoft.com/office/drawing/2014/main" xmlns="" id="{7037B295-27AC-4BD5-AE63-03E5B60F95DF}"/>
+                        <a16:creationId xmlns="" xmlns:a16="http://schemas.microsoft.com/office/drawing/2014/main" id="{7037B295-27AC-4BD5-AE63-03E5B60F95DF}"/>
                       </a:ext>
                     </a:extLst>
                   </p:cNvPr>
@@ -16350,7 +16561,7 @@
                 <p:cNvPr id="40" name="TextBox 17">
                   <a:extLst>
                     <a:ext uri="{FF2B5EF4-FFF2-40B4-BE49-F238E27FC236}">
-                      <a16:creationId xmlns:a16="http://schemas.microsoft.com/office/drawing/2014/main" xmlns="" id="{A3A0665E-DD88-4DAE-96BB-3CAA7A0E9E61}"/>
+                      <a16:creationId xmlns="" xmlns:a16="http://schemas.microsoft.com/office/drawing/2014/main" id="{A3A0665E-DD88-4DAE-96BB-3CAA7A0E9E61}"/>
                     </a:ext>
                   </a:extLst>
                 </p:cNvPr>
@@ -16385,7 +16596,7 @@
                 <p:cNvPr id="41" name="TextBox 18">
                   <a:extLst>
                     <a:ext uri="{FF2B5EF4-FFF2-40B4-BE49-F238E27FC236}">
-                      <a16:creationId xmlns:a16="http://schemas.microsoft.com/office/drawing/2014/main" xmlns="" id="{F39BFFF6-ADCF-453D-A3FA-3FE00347F3E7}"/>
+                      <a16:creationId xmlns="" xmlns:a16="http://schemas.microsoft.com/office/drawing/2014/main" id="{F39BFFF6-ADCF-453D-A3FA-3FE00347F3E7}"/>
                     </a:ext>
                   </a:extLst>
                 </p:cNvPr>
@@ -16421,7 +16632,7 @@
               <p:cNvPr id="38" name="Freeform: Shape 25">
                 <a:extLst>
                   <a:ext uri="{FF2B5EF4-FFF2-40B4-BE49-F238E27FC236}">
-                    <a16:creationId xmlns:a16="http://schemas.microsoft.com/office/drawing/2014/main" xmlns="" id="{0C3EC7D1-22C2-485E-8733-CB445C62968B}"/>
+                    <a16:creationId xmlns="" xmlns:a16="http://schemas.microsoft.com/office/drawing/2014/main" id="{0C3EC7D1-22C2-485E-8733-CB445C62968B}"/>
                   </a:ext>
                 </a:extLst>
               </p:cNvPr>
@@ -16604,7 +16815,7 @@
             <p:cNvPr id="3" name="Straight Connector 2">
               <a:extLst>
                 <a:ext uri="{FF2B5EF4-FFF2-40B4-BE49-F238E27FC236}">
-                  <a16:creationId xmlns:a16="http://schemas.microsoft.com/office/drawing/2014/main" xmlns="" id="{B165FFCA-8C00-44CC-9AC5-77DDB063DA47}"/>
+                  <a16:creationId xmlns="" xmlns:a16="http://schemas.microsoft.com/office/drawing/2014/main" id="{B165FFCA-8C00-44CC-9AC5-77DDB063DA47}"/>
                 </a:ext>
               </a:extLst>
             </p:cNvPr>
@@ -16648,7 +16859,7 @@
           <p:cNvPr id="6" name="TextBox 5">
             <a:extLst>
               <a:ext uri="{FF2B5EF4-FFF2-40B4-BE49-F238E27FC236}">
-                <a16:creationId xmlns:a16="http://schemas.microsoft.com/office/drawing/2014/main" xmlns="" id="{A32DE0C1-9052-48BD-B15F-027053698D8C}"/>
+                <a16:creationId xmlns="" xmlns:a16="http://schemas.microsoft.com/office/drawing/2014/main" id="{A32DE0C1-9052-48BD-B15F-027053698D8C}"/>
               </a:ext>
             </a:extLst>
           </p:cNvPr>
@@ -16658,7 +16869,7 @@
         <p:spPr>
           <a:xfrm>
             <a:off x="837724" y="2061155"/>
-            <a:ext cx="10516076" cy="3531736"/>
+            <a:ext cx="10516076" cy="3524042"/>
           </a:xfrm>
           <a:prstGeom prst="rect">
             <a:avLst/>
@@ -16690,28 +16901,8 @@
               <a:buChar char="•"/>
             </a:pPr>
             <a:r>
-              <a:rPr lang="de-DE" sz="2800" dirty="0"/>
-              <a:t>Idea: Use decoys as false hits and best </a:t>
-            </a:r>
-            <a:r>
-              <a:rPr lang="de-DE" sz="2800"/>
-              <a:t>targets </a:t>
-            </a:r>
-            <a:r>
               <a:rPr lang="de-DE" sz="2800" smtClean="0"/>
-              <a:t>as </a:t>
-            </a:r>
-            <a:r>
-              <a:rPr lang="de-DE" sz="2800" dirty="0"/>
-              <a:t>true hits to learn a </a:t>
-            </a:r>
-            <a:r>
-              <a:rPr lang="de-DE" sz="2800"/>
-              <a:t>discriminative </a:t>
-            </a:r>
-            <a:r>
-              <a:rPr lang="de-DE" sz="2800" smtClean="0"/>
-              <a:t>function</a:t>
+              <a:t>Idea: Use decoys as false hits and best targets as true hits to learn a discriminative function</a:t>
             </a:r>
           </a:p>
           <a:p>
@@ -16720,8 +16911,8 @@
               <a:buChar char="•"/>
             </a:pPr>
             <a:r>
-              <a:rPr lang="de-DE" sz="2800" smtClean="0"/>
-              <a:t>Re-score hits and repeat with new </a:t>
+              <a:rPr lang="de-DE" sz="2800"/>
+              <a:t>Not one score but multiple </a:t>
             </a:r>
           </a:p>
           <a:p>
@@ -16731,10 +16922,37 @@
               </a:lnSpc>
             </a:pPr>
             <a:r>
+              <a:rPr lang="de-DE" sz="2800"/>
+              <a:t>(our data: </a:t>
+            </a:r>
+            <a:r>
+              <a:rPr lang="de-DE" sz="2800"/>
+              <a:t>52</a:t>
+            </a:r>
+            <a:r>
               <a:rPr lang="de-DE" sz="2800" smtClean="0"/>
-              <a:t>positive examples</a:t>
-            </a:r>
-            <a:endParaRPr lang="de-DE" sz="2800" dirty="0"/>
+              <a:t>)</a:t>
+            </a:r>
+            <a:endParaRPr lang="de-DE" sz="2800"/>
+          </a:p>
+          <a:p>
+            <a:pPr marL="285750" indent="-285750">
+              <a:buFont typeface="Arial" panose="020B0604020202020204" pitchFamily="34" charset="0"/>
+              <a:buChar char="•"/>
+            </a:pPr>
+            <a:r>
+              <a:rPr lang="en-US" sz="2800"/>
+              <a:t>Can improve the </a:t>
+            </a:r>
+            <a:r>
+              <a:rPr lang="en-US" sz="2800"/>
+              <a:t>identification </a:t>
+            </a:r>
+            <a:r>
+              <a:rPr lang="en-US" sz="2800" smtClean="0"/>
+              <a:t>rate</a:t>
+            </a:r>
+            <a:endParaRPr lang="de-DE" sz="2800" smtClean="0"/>
           </a:p>
           <a:p>
             <a:pPr marL="288000" indent="-285750">
@@ -16742,22 +16960,13 @@
               <a:buChar char="•"/>
             </a:pPr>
             <a:r>
-              <a:rPr lang="de-DE" sz="2800"/>
-              <a:t>Not </a:t>
-            </a:r>
-            <a:r>
               <a:rPr lang="de-DE" sz="2800" smtClean="0"/>
-              <a:t>one </a:t>
-            </a:r>
-            <a:r>
-              <a:rPr lang="de-DE" sz="2800" dirty="0"/>
-              <a:t>score but </a:t>
-            </a:r>
-            <a:r>
-              <a:rPr lang="de-DE" sz="2800"/>
-              <a:t>multiple </a:t>
-            </a:r>
-            <a:endParaRPr lang="de-DE" sz="2800" smtClean="0"/>
+              <a:t>Re-score </a:t>
+            </a:r>
+            <a:r>
+              <a:rPr lang="de-DE" sz="2800" smtClean="0"/>
+              <a:t>hits and repeat with new </a:t>
+            </a:r>
           </a:p>
           <a:p>
             <a:pPr marL="288000">
@@ -16767,25 +16976,11 @@
             </a:pPr>
             <a:r>
               <a:rPr lang="de-DE" sz="2800" smtClean="0"/>
-              <a:t>(our data: 52)</a:t>
-            </a:r>
-          </a:p>
-          <a:p>
-            <a:pPr marL="285750" indent="-285750">
-              <a:buFont typeface="Arial" panose="020B0604020202020204" pitchFamily="34" charset="0"/>
-              <a:buChar char="•"/>
-            </a:pPr>
-            <a:r>
-              <a:rPr lang="en-US" sz="2800" smtClean="0"/>
-              <a:t>Can </a:t>
-            </a:r>
-            <a:r>
-              <a:rPr lang="en-US" sz="2800"/>
-              <a:t>improve </a:t>
-            </a:r>
-            <a:r>
-              <a:rPr lang="en-US" sz="2800" smtClean="0"/>
-              <a:t>the identification rate</a:t>
+              <a:t>positive </a:t>
+            </a:r>
+            <a:r>
+              <a:rPr lang="de-DE" sz="2800" smtClean="0"/>
+              <a:t>examples</a:t>
             </a:r>
             <a:endParaRPr lang="de-DE" sz="2800"/>
           </a:p>
@@ -16835,7 +17030,7 @@
 </file>
 
 <file path=ppt/slides/slide6.xml><?xml version="1.0" encoding="utf-8"?>
-<p:sld xmlns:a="http://schemas.openxmlformats.org/drawingml/2006/main" xmlns:r="http://schemas.openxmlformats.org/officeDocument/2006/relationships" xmlns:p="http://schemas.openxmlformats.org/presentationml/2006/main">
+<p:sld xmlns:a="http://schemas.openxmlformats.org/drawingml/2006/main" xmlns:r="http://schemas.openxmlformats.org/officeDocument/2006/relationships" xmlns:p="http://schemas.openxmlformats.org/presentationml/2006/main" show="0">
   <p:cSld>
     <p:spTree>
       <p:nvGrpSpPr>
@@ -17114,6 +17309,14 @@
   <p:clrMapOvr>
     <a:masterClrMapping/>
   </p:clrMapOvr>
+  <mc:AlternateContent xmlns:mc="http://schemas.openxmlformats.org/markup-compatibility/2006">
+    <mc:Choice xmlns:p14="http://schemas.microsoft.com/office/powerpoint/2010/main" Requires="p14">
+      <p:transition spd="slow" p14:dur="2000"/>
+    </mc:Choice>
+    <mc:Fallback>
+      <p:transition spd="slow"/>
+    </mc:Fallback>
+  </mc:AlternateContent>
   <p:timing>
     <p:tnLst>
       <p:par>
@@ -17166,8 +17369,21 @@
             </a:r>
             <a:r>
               <a:rPr lang="en-US" dirty="0"/>
-              <a:t>of Cross-link identification</a:t>
-            </a:r>
+              <a:t>of </a:t>
+            </a:r>
+            <a:r>
+              <a:rPr lang="en-US"/>
+              <a:t>Cross-link </a:t>
+            </a:r>
+            <a:r>
+              <a:rPr lang="en-US"/>
+              <a:t>I</a:t>
+            </a:r>
+            <a:r>
+              <a:rPr lang="en-US" smtClean="0"/>
+              <a:t>dentification</a:t>
+            </a:r>
+            <a:endParaRPr lang="en-US" dirty="0"/>
           </a:p>
         </p:txBody>
       </p:sp>
@@ -17393,7 +17609,7 @@
                 <p:cNvPr id="18" name="Textfeld 17">
                   <a:extLst>
                     <a:ext uri="{FF2B5EF4-FFF2-40B4-BE49-F238E27FC236}">
-                      <a16:creationId xmlns:a16="http://schemas.microsoft.com/office/drawing/2014/main" xmlns="" id="{F5D0278F-8592-4DAF-B8F8-9583A0E369A0}"/>
+                      <a16:creationId xmlns="" xmlns:a16="http://schemas.microsoft.com/office/drawing/2014/main" id="{F5D0278F-8592-4DAF-B8F8-9583A0E369A0}"/>
                     </a:ext>
                   </a:extLst>
                 </p:cNvPr>
@@ -17493,7 +17709,7 @@
             <p:cNvPr id="21" name="Geschweifte Klammer links 20">
               <a:extLst>
                 <a:ext uri="{FF2B5EF4-FFF2-40B4-BE49-F238E27FC236}">
-                  <a16:creationId xmlns:a16="http://schemas.microsoft.com/office/drawing/2014/main" xmlns="" id="{46F583E0-3500-4365-8D3A-584974DC1F32}"/>
+                  <a16:creationId xmlns="" xmlns:a16="http://schemas.microsoft.com/office/drawing/2014/main" id="{46F583E0-3500-4365-8D3A-584974DC1F32}"/>
                 </a:ext>
               </a:extLst>
             </p:cNvPr>
@@ -19673,7 +19889,7 @@
             <p:cNvPr id="14" name="Textfeld 13">
               <a:extLst>
                 <a:ext uri="{FF2B5EF4-FFF2-40B4-BE49-F238E27FC236}">
-                  <a16:creationId xmlns:a16="http://schemas.microsoft.com/office/drawing/2014/main" xmlns="" id="{B7A1D8F8-C5CC-49C4-8BF5-E32BD02D994F}"/>
+                  <a16:creationId xmlns="" xmlns:a16="http://schemas.microsoft.com/office/drawing/2014/main" id="{B7A1D8F8-C5CC-49C4-8BF5-E32BD02D994F}"/>
                 </a:ext>
               </a:extLst>
             </p:cNvPr>
@@ -19739,28 +19955,28 @@
                 <a:gridCol w="418364">
                   <a:extLst>
                     <a:ext uri="{9D8B030D-6E8A-4147-A177-3AD203B41FA5}">
-                      <a16:colId xmlns:a16="http://schemas.microsoft.com/office/drawing/2014/main" xmlns="" val="20000"/>
+                      <a16:colId xmlns="" xmlns:a16="http://schemas.microsoft.com/office/drawing/2014/main" val="20000"/>
                     </a:ext>
                   </a:extLst>
                 </a:gridCol>
                 <a:gridCol w="418364">
                   <a:extLst>
                     <a:ext uri="{9D8B030D-6E8A-4147-A177-3AD203B41FA5}">
-                      <a16:colId xmlns:a16="http://schemas.microsoft.com/office/drawing/2014/main" xmlns="" val="20001"/>
+                      <a16:colId xmlns="" xmlns:a16="http://schemas.microsoft.com/office/drawing/2014/main" val="20001"/>
                     </a:ext>
                   </a:extLst>
                 </a:gridCol>
                 <a:gridCol w="418364">
                   <a:extLst>
                     <a:ext uri="{9D8B030D-6E8A-4147-A177-3AD203B41FA5}">
-                      <a16:colId xmlns:a16="http://schemas.microsoft.com/office/drawing/2014/main" xmlns="" val="20002"/>
+                      <a16:colId xmlns="" xmlns:a16="http://schemas.microsoft.com/office/drawing/2014/main" val="20002"/>
                     </a:ext>
                   </a:extLst>
                 </a:gridCol>
                 <a:gridCol w="418364">
                   <a:extLst>
                     <a:ext uri="{9D8B030D-6E8A-4147-A177-3AD203B41FA5}">
-                      <a16:colId xmlns:a16="http://schemas.microsoft.com/office/drawing/2014/main" xmlns="" val="20003"/>
+                      <a16:colId xmlns="" xmlns:a16="http://schemas.microsoft.com/office/drawing/2014/main" val="20003"/>
                     </a:ext>
                   </a:extLst>
                 </a:gridCol>
@@ -20052,7 +20268,7 @@
                 </a:tc>
                 <a:extLst>
                   <a:ext uri="{0D108BD9-81ED-4DB2-BD59-A6C34878D82A}">
-                    <a16:rowId xmlns:a16="http://schemas.microsoft.com/office/drawing/2014/main" xmlns="" val="10000"/>
+                    <a16:rowId xmlns="" xmlns:a16="http://schemas.microsoft.com/office/drawing/2014/main" val="10000"/>
                   </a:ext>
                 </a:extLst>
               </a:tr>
@@ -20339,7 +20555,7 @@
                 </a:tc>
                 <a:extLst>
                   <a:ext uri="{0D108BD9-81ED-4DB2-BD59-A6C34878D82A}">
-                    <a16:rowId xmlns:a16="http://schemas.microsoft.com/office/drawing/2014/main" xmlns="" val="10001"/>
+                    <a16:rowId xmlns="" xmlns:a16="http://schemas.microsoft.com/office/drawing/2014/main" val="10001"/>
                   </a:ext>
                 </a:extLst>
               </a:tr>
@@ -20594,7 +20810,7 @@
                 </a:tc>
                 <a:extLst>
                   <a:ext uri="{0D108BD9-81ED-4DB2-BD59-A6C34878D82A}">
-                    <a16:rowId xmlns:a16="http://schemas.microsoft.com/office/drawing/2014/main" xmlns="" val="10002"/>
+                    <a16:rowId xmlns="" xmlns:a16="http://schemas.microsoft.com/office/drawing/2014/main" val="10002"/>
                   </a:ext>
                 </a:extLst>
               </a:tr>
@@ -20857,7 +21073,7 @@
                 </a:tc>
                 <a:extLst>
                   <a:ext uri="{0D108BD9-81ED-4DB2-BD59-A6C34878D82A}">
-                    <a16:rowId xmlns:a16="http://schemas.microsoft.com/office/drawing/2014/main" xmlns="" val="10003"/>
+                    <a16:rowId xmlns="" xmlns:a16="http://schemas.microsoft.com/office/drawing/2014/main" val="10003"/>
                   </a:ext>
                 </a:extLst>
               </a:tr>
@@ -20897,7 +21113,15 @@
             </a:r>
             <a:r>
               <a:rPr lang="en-US"/>
-              <a:t>Percolator reimplementation in </a:t>
+              <a:t>Percolator </a:t>
+            </a:r>
+            <a:r>
+              <a:rPr lang="en-US" smtClean="0"/>
+              <a:t>Reimplementation </a:t>
+            </a:r>
+            <a:r>
+              <a:rPr lang="en-US"/>
+              <a:t>in </a:t>
             </a:r>
             <a:r>
               <a:rPr lang="en-US" smtClean="0"/>
@@ -21075,20 +21299,20 @@
           <a:lstStyle/>
           <a:p>
             <a:r>
-              <a:rPr lang="en-US" b="1" dirty="0"/>
-              <a:t>Performance metric: </a:t>
-            </a:r>
-            <a:r>
-              <a:rPr lang="en-US" dirty="0"/>
-              <a:t>pseudo </a:t>
-            </a:r>
-            <a:r>
-              <a:rPr lang="en-US"/>
-              <a:t>ROC </a:t>
+              <a:rPr lang="en-US" b="1"/>
+              <a:t>Performance </a:t>
+            </a:r>
+            <a:r>
+              <a:rPr lang="en-US" b="1" smtClean="0"/>
+              <a:t>Metric</a:t>
+            </a:r>
+            <a:r>
+              <a:rPr lang="en-US" b="1"/>
+              <a:t>: </a:t>
             </a:r>
             <a:r>
               <a:rPr lang="en-US" smtClean="0"/>
-              <a:t>curves</a:t>
+              <a:t>Pseudo ROC</a:t>
             </a:r>
             <a:endParaRPr lang="en-US" dirty="0"/>
           </a:p>
@@ -21102,10 +21326,10 @@
         </p:nvGrpSpPr>
         <p:grpSpPr>
           <a:xfrm>
-            <a:off x="2635249" y="1973535"/>
-            <a:ext cx="4409017" cy="4269545"/>
-            <a:chOff x="653533" y="1925052"/>
-            <a:chExt cx="3394294" cy="3454021"/>
+            <a:off x="2690455" y="1557993"/>
+            <a:ext cx="4353811" cy="4685086"/>
+            <a:chOff x="696034" y="1588883"/>
+            <a:chExt cx="3351793" cy="3790190"/>
           </a:xfrm>
         </p:grpSpPr>
         <p:sp>
@@ -21160,8 +21384,8 @@
           </p:nvSpPr>
           <p:spPr>
             <a:xfrm rot="16200000">
-              <a:off x="-720727" y="3299312"/>
-              <a:ext cx="3117851" cy="369332"/>
+              <a:off x="-1056895" y="3341812"/>
+              <a:ext cx="3790190" cy="284331"/>
             </a:xfrm>
             <a:prstGeom prst="rect">
               <a:avLst/>
@@ -21180,7 +21404,14 @@
                   <a:latin typeface="Arial" panose="020B0604020202020204" pitchFamily="34" charset="0"/>
                   <a:cs typeface="Arial" panose="020B0604020202020204" pitchFamily="34" charset="0"/>
                 </a:rPr>
-                <a:t>Identified Cross-linked PSMs</a:t>
+                <a:t>Number of Identified </a:t>
+              </a:r>
+              <a:r>
+                <a:rPr lang="en-US" smtClean="0">
+                  <a:latin typeface="Arial" panose="020B0604020202020204" pitchFamily="34" charset="0"/>
+                  <a:cs typeface="Arial" panose="020B0604020202020204" pitchFamily="34" charset="0"/>
+                </a:rPr>
+                <a:t>Cross-linked PSMs</a:t>
               </a:r>
               <a:endParaRPr lang="en-US">
                 <a:latin typeface="Arial" panose="020B0604020202020204" pitchFamily="34" charset="0"/>

--- a/doc/presentation_v2.pptx
+++ b/doc/presentation_v2.pptx
@@ -929,15 +929,7 @@
             </a:r>
             <a:r>
               <a:rPr lang="en-US" baseline="0" smtClean="0"/>
-              <a:t>(problems with calculation of area under the curve, </a:t>
-            </a:r>
-            <a:r>
-              <a:rPr lang="en-US" baseline="0" smtClean="0"/>
-              <a:t>variance gets too </a:t>
-            </a:r>
-            <a:r>
-              <a:rPr lang="en-US" baseline="0" smtClean="0"/>
-              <a:t>big)</a:t>
+              <a:t>(problems with calculation of area under the curve, variance gets too big)</a:t>
             </a:r>
           </a:p>
           <a:p>
@@ -1090,11 +1082,7 @@
             </a:r>
             <a:r>
               <a:rPr lang="en-US" baseline="0" smtClean="0"/>
-              <a:t>PSMs are false more often</a:t>
-            </a:r>
-            <a:r>
-              <a:rPr lang="en-US" baseline="0" smtClean="0"/>
-              <a:t>)</a:t>
+              <a:t>PSMs are false more often)</a:t>
             </a:r>
             <a:endParaRPr lang="en-US" baseline="0" dirty="0"/>
           </a:p>
@@ -1706,11 +1694,7 @@
             </a:r>
             <a:r>
               <a:rPr lang="en-US" baseline="0" smtClean="0"/>
-              <a:t> the identification rate compared to using some score that makes mathematically or chemically sense and is often times a combination of certain sub scores</a:t>
-            </a:r>
-            <a:r>
-              <a:rPr lang="en-US" baseline="0" smtClean="0"/>
-              <a:t>.</a:t>
+              <a:t> the identification rate compared to using some score that makes mathematically or chemically sense and is often times a combination of certain sub scores.</a:t>
             </a:r>
           </a:p>
           <a:p>
@@ -2106,13 +2090,8 @@
             </a:pPr>
             <a:r>
               <a:rPr lang="en-US" sz="1200" smtClean="0"/>
-              <a:t>X-axis, </a:t>
-            </a:r>
-            <a:r>
-              <a:rPr lang="en-US" sz="1200" smtClean="0"/>
-              <a:t>y-axis</a:t>
-            </a:r>
-            <a:endParaRPr lang="en-US" sz="1200" smtClean="0"/>
+              <a:t>X-axis, y-axis</a:t>
+            </a:r>
           </a:p>
           <a:p>
             <a:pPr marL="457200" indent="-457200">
@@ -2141,11 +2120,7 @@
             </a:pPr>
             <a:r>
               <a:rPr lang="en-US" sz="1200" smtClean="0"/>
-              <a:t>Calculate area under the curve (AUC</a:t>
-            </a:r>
-            <a:r>
-              <a:rPr lang="en-US" sz="1200" smtClean="0"/>
-              <a:t>)</a:t>
+              <a:t>Calculate area under the curve (AUC)</a:t>
             </a:r>
           </a:p>
           <a:p>
@@ -2157,7 +2132,6 @@
               <a:rPr lang="en-US" sz="1200" smtClean="0"/>
               <a:t>Called pseudo ROC</a:t>
             </a:r>
-            <a:endParaRPr lang="en-US" sz="1200" smtClean="0"/>
           </a:p>
           <a:p>
             <a:endParaRPr lang="en-US"/>
@@ -5222,7 +5196,7 @@
           <p:cNvPr id="4" name="Titel 1">
             <a:extLst>
               <a:ext uri="{FF2B5EF4-FFF2-40B4-BE49-F238E27FC236}">
-                <a16:creationId xmlns="" xmlns:a16="http://schemas.microsoft.com/office/drawing/2014/main" id="{2FC55C0D-8810-49CF-BEA3-534C685CABDF}"/>
+                <a16:creationId xmlns:a16="http://schemas.microsoft.com/office/drawing/2014/main" xmlns="" id="{2FC55C0D-8810-49CF-BEA3-534C685CABDF}"/>
               </a:ext>
             </a:extLst>
           </p:cNvPr>
@@ -5389,15 +5363,7 @@
                 <a:ea typeface="+mn-ea"/>
                 <a:cs typeface="+mn-cs"/>
               </a:rPr>
-              <a:t>PSM</a:t>
-            </a:r>
-            <a:r>
-              <a:rPr lang="en-US" sz="4000" smtClean="0">
-                <a:latin typeface="+mn-lt"/>
-                <a:ea typeface="+mn-ea"/>
-                <a:cs typeface="+mn-cs"/>
-              </a:rPr>
-              <a:t> </a:t>
+              <a:t>PSM </a:t>
             </a:r>
             <a:r>
               <a:rPr lang="en-US" sz="4000" dirty="0">
@@ -5462,7 +5428,7 @@
                     <p:cNvPr id="54" name="Textfeld 53">
                       <a:extLst>
                         <a:ext uri="{FF2B5EF4-FFF2-40B4-BE49-F238E27FC236}">
-                          <a16:creationId xmlns="" xmlns:a16="http://schemas.microsoft.com/office/drawing/2014/main" id="{06FDD40D-7E06-436C-BB7F-1E2C9D6F748F}"/>
+                          <a16:creationId xmlns:a16="http://schemas.microsoft.com/office/drawing/2014/main" xmlns="" id="{06FDD40D-7E06-436C-BB7F-1E2C9D6F748F}"/>
                         </a:ext>
                       </a:extLst>
                     </p:cNvPr>
@@ -7578,7 +7544,7 @@
                     <p:cNvPr id="55" name="Textfeld 54">
                       <a:extLst>
                         <a:ext uri="{FF2B5EF4-FFF2-40B4-BE49-F238E27FC236}">
-                          <a16:creationId xmlns="" xmlns:a16="http://schemas.microsoft.com/office/drawing/2014/main" id="{4BD2D10C-6C27-4C88-8B53-03B9677724A1}"/>
+                          <a16:creationId xmlns:a16="http://schemas.microsoft.com/office/drawing/2014/main" xmlns="" id="{4BD2D10C-6C27-4C88-8B53-03B9677724A1}"/>
                         </a:ext>
                       </a:extLst>
                     </p:cNvPr>
@@ -7677,7 +7643,7 @@
                     <p:cNvPr id="56" name="Textfeld 55">
                       <a:extLst>
                         <a:ext uri="{FF2B5EF4-FFF2-40B4-BE49-F238E27FC236}">
-                          <a16:creationId xmlns="" xmlns:a16="http://schemas.microsoft.com/office/drawing/2014/main" id="{DA6D8EC8-16C5-41B4-9D89-8A1480E0E523}"/>
+                          <a16:creationId xmlns:a16="http://schemas.microsoft.com/office/drawing/2014/main" xmlns="" id="{DA6D8EC8-16C5-41B4-9D89-8A1480E0E523}"/>
                         </a:ext>
                       </a:extLst>
                     </p:cNvPr>
@@ -7771,7 +7737,7 @@
                 <p:cNvPr id="57" name="Rechteck 56">
                   <a:extLst>
                     <a:ext uri="{FF2B5EF4-FFF2-40B4-BE49-F238E27FC236}">
-                      <a16:creationId xmlns="" xmlns:a16="http://schemas.microsoft.com/office/drawing/2014/main" id="{25DD8899-90D0-4997-A326-635279A79ABC}"/>
+                      <a16:creationId xmlns:a16="http://schemas.microsoft.com/office/drawing/2014/main" xmlns="" id="{25DD8899-90D0-4997-A326-635279A79ABC}"/>
                     </a:ext>
                   </a:extLst>
                 </p:cNvPr>
@@ -7826,7 +7792,7 @@
               <p:cNvPr id="3" name="TextBox 2">
                 <a:extLst>
                   <a:ext uri="{FF2B5EF4-FFF2-40B4-BE49-F238E27FC236}">
-                    <a16:creationId xmlns="" xmlns:a16="http://schemas.microsoft.com/office/drawing/2014/main" id="{AD7D7DD3-99BF-4E15-936B-3AF28F6FA55C}"/>
+                    <a16:creationId xmlns:a16="http://schemas.microsoft.com/office/drawing/2014/main" xmlns="" id="{AD7D7DD3-99BF-4E15-936B-3AF28F6FA55C}"/>
                   </a:ext>
                 </a:extLst>
               </p:cNvPr>
@@ -7909,7 +7875,7 @@
             <p:cNvPr id="6" name="TextBox 5">
               <a:extLst>
                 <a:ext uri="{FF2B5EF4-FFF2-40B4-BE49-F238E27FC236}">
-                  <a16:creationId xmlns="" xmlns:a16="http://schemas.microsoft.com/office/drawing/2014/main" id="{0D863C17-664D-4EAB-802D-282AF5B11580}"/>
+                  <a16:creationId xmlns:a16="http://schemas.microsoft.com/office/drawing/2014/main" xmlns="" id="{0D863C17-664D-4EAB-802D-282AF5B11580}"/>
                 </a:ext>
               </a:extLst>
             </p:cNvPr>
@@ -8055,19 +8021,7 @@
             </a:r>
             <a:r>
               <a:rPr lang="en-US" smtClean="0"/>
-              <a:t>Reranking of </a:t>
-            </a:r>
-            <a:r>
-              <a:rPr lang="en-US" smtClean="0"/>
-              <a:t>Multiple Candidates </a:t>
-            </a:r>
-            <a:r>
-              <a:rPr lang="en-US" smtClean="0"/>
-              <a:t>during </a:t>
-            </a:r>
-            <a:r>
-              <a:rPr lang="en-US" smtClean="0"/>
-              <a:t>Learning</a:t>
+              <a:t>Reranking of Multiple Candidates during Learning</a:t>
             </a:r>
             <a:endParaRPr lang="en-US" dirty="0"/>
           </a:p>
@@ -8140,7 +8094,6 @@
               <a:rPr lang="en-US" sz="2800" smtClean="0"/>
               <a:t>only (previous best)</a:t>
             </a:r>
-            <a:endParaRPr lang="en-US" sz="2800" smtClean="0"/>
           </a:p>
         </p:txBody>
       </p:sp>
@@ -8320,14 +8273,7 @@
                   <a:latin typeface="Arial" panose="020B0604020202020204" pitchFamily="34" charset="0"/>
                   <a:cs typeface="Arial" panose="020B0604020202020204" pitchFamily="34" charset="0"/>
                 </a:rPr>
-                <a:t>Number of Identified </a:t>
-              </a:r>
-              <a:r>
-                <a:rPr lang="en-US" smtClean="0">
-                  <a:latin typeface="Arial" panose="020B0604020202020204" pitchFamily="34" charset="0"/>
-                  <a:cs typeface="Arial" panose="020B0604020202020204" pitchFamily="34" charset="0"/>
-                </a:rPr>
-                <a:t>Cross-linked PSMs</a:t>
+                <a:t>Number of Identified Cross-linked PSMs</a:t>
               </a:r>
               <a:endParaRPr lang="en-US">
                 <a:latin typeface="Arial" panose="020B0604020202020204" pitchFamily="34" charset="0"/>
@@ -8723,7 +8669,7 @@
           <p:cNvPr id="7" name="Inhaltsplatzhalter 7">
             <a:extLst>
               <a:ext uri="{FF2B5EF4-FFF2-40B4-BE49-F238E27FC236}">
-                <a16:creationId xmlns="" xmlns:a16="http://schemas.microsoft.com/office/drawing/2014/main" id="{718483C6-6AAD-434F-B835-EBBE7220B57E}"/>
+                <a16:creationId xmlns:a16="http://schemas.microsoft.com/office/drawing/2014/main" xmlns="" id="{718483C6-6AAD-434F-B835-EBBE7220B57E}"/>
               </a:ext>
             </a:extLst>
           </p:cNvPr>
@@ -8823,7 +8769,6 @@
               <a:rPr lang="en-US"/>
               <a:t>Impact of Small Number of PSMs on Algorithm Performance</a:t>
             </a:r>
-            <a:endParaRPr lang="en-US"/>
           </a:p>
         </p:txBody>
       </p:sp>
@@ -8832,7 +8777,7 @@
           <p:cNvPr id="8" name="Textfeld 9">
             <a:extLst>
               <a:ext uri="{FF2B5EF4-FFF2-40B4-BE49-F238E27FC236}">
-                <a16:creationId xmlns="" xmlns:a16="http://schemas.microsoft.com/office/drawing/2014/main" id="{04D5EF84-536D-40EA-AD76-7476BD2F14DB}"/>
+                <a16:creationId xmlns:a16="http://schemas.microsoft.com/office/drawing/2014/main" xmlns="" id="{04D5EF84-536D-40EA-AD76-7476BD2F14DB}"/>
               </a:ext>
             </a:extLst>
           </p:cNvPr>
@@ -8973,7 +8918,7 @@
           <p:cNvPr id="4" name="Straight Connector 3">
             <a:extLst>
               <a:ext uri="{FF2B5EF4-FFF2-40B4-BE49-F238E27FC236}">
-                <a16:creationId xmlns="" xmlns:a16="http://schemas.microsoft.com/office/drawing/2014/main" id="{BA8CF9D0-9B7A-42C2-8BF7-BA0C72A8E82C}"/>
+                <a16:creationId xmlns:a16="http://schemas.microsoft.com/office/drawing/2014/main" xmlns="" id="{BA8CF9D0-9B7A-42C2-8BF7-BA0C72A8E82C}"/>
               </a:ext>
             </a:extLst>
           </p:cNvPr>
@@ -9088,7 +9033,7 @@
           <p:cNvPr id="12" name="Straight Connector 3">
             <a:extLst>
               <a:ext uri="{FF2B5EF4-FFF2-40B4-BE49-F238E27FC236}">
-                <a16:creationId xmlns="" xmlns:a16="http://schemas.microsoft.com/office/drawing/2014/main" id="{BA8CF9D0-9B7A-42C2-8BF7-BA0C72A8E82C}"/>
+                <a16:creationId xmlns:a16="http://schemas.microsoft.com/office/drawing/2014/main" xmlns="" id="{BA8CF9D0-9B7A-42C2-8BF7-BA0C72A8E82C}"/>
               </a:ext>
             </a:extLst>
           </p:cNvPr>
@@ -9435,11 +9380,7 @@
             </a:r>
             <a:r>
               <a:rPr lang="en-US" smtClean="0"/>
-              <a:t> </a:t>
-            </a:r>
-            <a:r>
-              <a:rPr lang="en-US" smtClean="0"/>
-              <a:t>Ratios </a:t>
+              <a:t> Ratios </a:t>
             </a:r>
             <a:r>
               <a:rPr lang="en-US"/>
@@ -9447,11 +9388,7 @@
             </a:r>
             <a:r>
               <a:rPr lang="en-US" smtClean="0"/>
-              <a:t>targets to decoys and cross-linked to linear peptides </a:t>
-            </a:r>
-            <a:r>
-              <a:rPr lang="en-US" smtClean="0"/>
-              <a:t>differ</a:t>
+              <a:t>targets to decoys and cross-linked to linear peptides differ</a:t>
             </a:r>
             <a:endParaRPr lang="en-US" dirty="0"/>
           </a:p>
@@ -12870,7 +12807,7 @@
           <p:nvPr>
             <p:extLst>
               <p:ext uri="{D42A27DB-BD31-4B8C-83A1-F6EECF244321}">
-                <p14:modId xmlns:p14="http://schemas.microsoft.com/office/powerpoint/2010/main" val="816246769"/>
+                <p14:modId xmlns:p14="http://schemas.microsoft.com/office/powerpoint/2010/main" val="1305935489"/>
               </p:ext>
             </p:extLst>
           </p:nvPr>
@@ -12902,7 +12839,15 @@
                       <a:pPr algn="ctr"/>
                       <a:r>
                         <a:rPr lang="en-US" sz="2300" smtClean="0"/>
-                        <a:t>AUC of pseudo ROC</a:t>
+                        <a:t>AUC of </a:t>
+                      </a:r>
+                      <a:r>
+                        <a:rPr lang="en-US" sz="2300" smtClean="0"/>
+                        <a:t>Pseudo </a:t>
+                      </a:r>
+                      <a:r>
+                        <a:rPr lang="en-US" sz="2300" smtClean="0"/>
+                        <a:t>ROC</a:t>
                       </a:r>
                       <a:endParaRPr lang="en-US" sz="2300"/>
                     </a:p>
@@ -13172,7 +13117,7 @@
                     <a:p>
                       <a:r>
                         <a:rPr lang="en-US" sz="2300" smtClean="0"/>
-                        <a:t>balancing</a:t>
+                        <a:t>Balancing</a:t>
                       </a:r>
                       <a:endParaRPr lang="en-US" sz="2300"/>
                     </a:p>
@@ -14005,7 +13950,11 @@
                     <a:p>
                       <a:r>
                         <a:rPr lang="en-US" sz="2300" smtClean="0"/>
-                        <a:t>No balancing</a:t>
+                        <a:t>No </a:t>
+                      </a:r>
+                      <a:r>
+                        <a:rPr lang="en-US" sz="2300" smtClean="0"/>
+                        <a:t>Balancing</a:t>
                       </a:r>
                       <a:endParaRPr lang="en-US" sz="2300"/>
                     </a:p>
@@ -15187,11 +15136,7 @@
             <a:pPr lvl="1"/>
             <a:r>
               <a:rPr lang="en-US"/>
-              <a:t>Nucleic Acid </a:t>
-            </a:r>
-            <a:r>
-              <a:rPr lang="en-US"/>
-              <a:t>Protein </a:t>
+              <a:t>Nucleic Acid Protein </a:t>
             </a:r>
             <a:r>
               <a:rPr lang="en-US" smtClean="0"/>
@@ -15220,7 +15165,6 @@
               <a:rPr lang="en-US" smtClean="0"/>
               <a:t>Semi-supervised Learning</a:t>
             </a:r>
-            <a:endParaRPr lang="en-US" smtClean="0"/>
           </a:p>
           <a:p>
             <a:pPr lvl="1"/>
@@ -15232,7 +15176,6 @@
               <a:rPr lang="en-US" smtClean="0"/>
               <a:t>Identification</a:t>
             </a:r>
-            <a:endParaRPr lang="en-US" smtClean="0"/>
           </a:p>
           <a:p>
             <a:pPr marL="0" indent="0">
@@ -15274,21 +15217,8 @@
             <a:pPr lvl="1"/>
             <a:r>
               <a:rPr lang="en-US" smtClean="0"/>
-              <a:t>Performance </a:t>
-            </a:r>
-            <a:r>
-              <a:rPr lang="en-US" smtClean="0"/>
-              <a:t>Metric</a:t>
-            </a:r>
-            <a:r>
-              <a:rPr lang="en-US" smtClean="0"/>
-              <a:t>: </a:t>
-            </a:r>
-            <a:r>
-              <a:rPr lang="en-US" smtClean="0"/>
-              <a:t>Pseudo ROC</a:t>
-            </a:r>
-            <a:endParaRPr lang="en-US" smtClean="0"/>
+              <a:t>Performance Metric: Pseudo ROC</a:t>
+            </a:r>
           </a:p>
           <a:p>
             <a:pPr marL="0" indent="0">
@@ -15344,11 +15274,7 @@
             </a:r>
             <a:r>
               <a:rPr lang="en-US" smtClean="0"/>
-              <a:t>PSM</a:t>
-            </a:r>
-            <a:r>
-              <a:rPr lang="en-US" smtClean="0"/>
-              <a:t>s </a:t>
+              <a:t>PSMs </a:t>
             </a:r>
             <a:r>
               <a:rPr lang="en-US"/>
@@ -15488,7 +15414,7 @@
           <p:cNvPr id="2" name="Title 1">
             <a:extLst>
               <a:ext uri="{FF2B5EF4-FFF2-40B4-BE49-F238E27FC236}">
-                <a16:creationId xmlns="" xmlns:a16="http://schemas.microsoft.com/office/drawing/2014/main" id="{0D01AD33-B3AC-4480-AB6A-2F491A7D81C1}"/>
+                <a16:creationId xmlns:a16="http://schemas.microsoft.com/office/drawing/2014/main" xmlns="" id="{0D01AD33-B3AC-4480-AB6A-2F491A7D81C1}"/>
               </a:ext>
             </a:extLst>
           </p:cNvPr>
@@ -15799,11 +15725,7 @@
             </a:r>
             <a:r>
               <a:rPr lang="en-US" smtClean="0"/>
-              <a:t>Cross-linking </a:t>
-            </a:r>
-            <a:r>
-              <a:rPr lang="en-US" smtClean="0"/>
-              <a:t>Mass Spectrometry</a:t>
+              <a:t>Cross-linking Mass Spectrometry</a:t>
             </a:r>
             <a:endParaRPr lang="en-US" dirty="0"/>
           </a:p>
@@ -15950,11 +15872,7 @@
             </a:r>
             <a:r>
               <a:rPr lang="en-US" smtClean="0"/>
-              <a:t>Score </a:t>
-            </a:r>
-            <a:r>
-              <a:rPr lang="en-US" smtClean="0"/>
-              <a:t>Post-processing </a:t>
+              <a:t>Score Post-processing </a:t>
             </a:r>
             <a:r>
               <a:rPr lang="en-US"/>
@@ -15987,7 +15905,7 @@
             <p:cNvPr id="36" name="Group 28">
               <a:extLst>
                 <a:ext uri="{FF2B5EF4-FFF2-40B4-BE49-F238E27FC236}">
-                  <a16:creationId xmlns="" xmlns:a16="http://schemas.microsoft.com/office/drawing/2014/main" id="{28395788-EA09-4A23-BD96-A53FA01A205C}"/>
+                  <a16:creationId xmlns:a16="http://schemas.microsoft.com/office/drawing/2014/main" xmlns="" id="{28395788-EA09-4A23-BD96-A53FA01A205C}"/>
                 </a:ext>
               </a:extLst>
             </p:cNvPr>
@@ -16007,7 +15925,7 @@
               <p:cNvPr id="37" name="Group 15">
                 <a:extLst>
                   <a:ext uri="{FF2B5EF4-FFF2-40B4-BE49-F238E27FC236}">
-                    <a16:creationId xmlns="" xmlns:a16="http://schemas.microsoft.com/office/drawing/2014/main" id="{44546B8D-B723-4040-AC00-8B3DA694AE40}"/>
+                    <a16:creationId xmlns:a16="http://schemas.microsoft.com/office/drawing/2014/main" xmlns="" id="{44546B8D-B723-4040-AC00-8B3DA694AE40}"/>
                   </a:ext>
                 </a:extLst>
               </p:cNvPr>
@@ -16027,7 +15945,7 @@
                 <p:cNvPr id="39" name="Group 16">
                   <a:extLst>
                     <a:ext uri="{FF2B5EF4-FFF2-40B4-BE49-F238E27FC236}">
-                      <a16:creationId xmlns="" xmlns:a16="http://schemas.microsoft.com/office/drawing/2014/main" id="{6AC89B0E-092A-420D-A041-61EF63E3CBC2}"/>
+                      <a16:creationId xmlns:a16="http://schemas.microsoft.com/office/drawing/2014/main" xmlns="" id="{6AC89B0E-092A-420D-A041-61EF63E3CBC2}"/>
                     </a:ext>
                   </a:extLst>
                 </p:cNvPr>
@@ -16047,7 +15965,7 @@
                   <p:cNvPr id="42" name="Freeform: Shape 19">
                     <a:extLst>
                       <a:ext uri="{FF2B5EF4-FFF2-40B4-BE49-F238E27FC236}">
-                        <a16:creationId xmlns="" xmlns:a16="http://schemas.microsoft.com/office/drawing/2014/main" id="{2A772B21-38F2-4C1F-9B2A-1F050B3B174A}"/>
+                        <a16:creationId xmlns:a16="http://schemas.microsoft.com/office/drawing/2014/main" xmlns="" id="{2A772B21-38F2-4C1F-9B2A-1F050B3B174A}"/>
                       </a:ext>
                     </a:extLst>
                   </p:cNvPr>
@@ -16218,7 +16136,7 @@
                   <p:cNvPr id="43" name="Freeform: Shape 20">
                     <a:extLst>
                       <a:ext uri="{FF2B5EF4-FFF2-40B4-BE49-F238E27FC236}">
-                        <a16:creationId xmlns="" xmlns:a16="http://schemas.microsoft.com/office/drawing/2014/main" id="{9EAA93AE-C1D3-4DDD-B458-A9BD755C6FD5}"/>
+                        <a16:creationId xmlns:a16="http://schemas.microsoft.com/office/drawing/2014/main" xmlns="" id="{9EAA93AE-C1D3-4DDD-B458-A9BD755C6FD5}"/>
                       </a:ext>
                     </a:extLst>
                   </p:cNvPr>
@@ -16406,7 +16324,7 @@
                   <p:cNvPr id="44" name="Straight Arrow Connector 21">
                     <a:extLst>
                       <a:ext uri="{FF2B5EF4-FFF2-40B4-BE49-F238E27FC236}">
-                        <a16:creationId xmlns="" xmlns:a16="http://schemas.microsoft.com/office/drawing/2014/main" id="{3033C3D8-0858-4021-9B16-DB2EBC612BB1}"/>
+                        <a16:creationId xmlns:a16="http://schemas.microsoft.com/office/drawing/2014/main" xmlns="" id="{3033C3D8-0858-4021-9B16-DB2EBC612BB1}"/>
                       </a:ext>
                     </a:extLst>
                   </p:cNvPr>
@@ -16448,7 +16366,7 @@
                   <p:cNvPr id="45" name="Straight Arrow Connector 22">
                     <a:extLst>
                       <a:ext uri="{FF2B5EF4-FFF2-40B4-BE49-F238E27FC236}">
-                        <a16:creationId xmlns="" xmlns:a16="http://schemas.microsoft.com/office/drawing/2014/main" id="{3285A412-DF37-4FC8-872A-3BD7F388A832}"/>
+                        <a16:creationId xmlns:a16="http://schemas.microsoft.com/office/drawing/2014/main" xmlns="" id="{3285A412-DF37-4FC8-872A-3BD7F388A832}"/>
                       </a:ext>
                     </a:extLst>
                   </p:cNvPr>
@@ -16490,7 +16408,7 @@
                   <p:cNvPr id="46" name="TextBox 23">
                     <a:extLst>
                       <a:ext uri="{FF2B5EF4-FFF2-40B4-BE49-F238E27FC236}">
-                        <a16:creationId xmlns="" xmlns:a16="http://schemas.microsoft.com/office/drawing/2014/main" id="{3B36F23F-8887-4C72-8BC1-6B0528C885D1}"/>
+                        <a16:creationId xmlns:a16="http://schemas.microsoft.com/office/drawing/2014/main" xmlns="" id="{3B36F23F-8887-4C72-8BC1-6B0528C885D1}"/>
                       </a:ext>
                     </a:extLst>
                   </p:cNvPr>
@@ -16525,7 +16443,7 @@
                   <p:cNvPr id="47" name="TextBox 24">
                     <a:extLst>
                       <a:ext uri="{FF2B5EF4-FFF2-40B4-BE49-F238E27FC236}">
-                        <a16:creationId xmlns="" xmlns:a16="http://schemas.microsoft.com/office/drawing/2014/main" id="{7037B295-27AC-4BD5-AE63-03E5B60F95DF}"/>
+                        <a16:creationId xmlns:a16="http://schemas.microsoft.com/office/drawing/2014/main" xmlns="" id="{7037B295-27AC-4BD5-AE63-03E5B60F95DF}"/>
                       </a:ext>
                     </a:extLst>
                   </p:cNvPr>
@@ -16561,7 +16479,7 @@
                 <p:cNvPr id="40" name="TextBox 17">
                   <a:extLst>
                     <a:ext uri="{FF2B5EF4-FFF2-40B4-BE49-F238E27FC236}">
-                      <a16:creationId xmlns="" xmlns:a16="http://schemas.microsoft.com/office/drawing/2014/main" id="{A3A0665E-DD88-4DAE-96BB-3CAA7A0E9E61}"/>
+                      <a16:creationId xmlns:a16="http://schemas.microsoft.com/office/drawing/2014/main" xmlns="" id="{A3A0665E-DD88-4DAE-96BB-3CAA7A0E9E61}"/>
                     </a:ext>
                   </a:extLst>
                 </p:cNvPr>
@@ -16596,7 +16514,7 @@
                 <p:cNvPr id="41" name="TextBox 18">
                   <a:extLst>
                     <a:ext uri="{FF2B5EF4-FFF2-40B4-BE49-F238E27FC236}">
-                      <a16:creationId xmlns="" xmlns:a16="http://schemas.microsoft.com/office/drawing/2014/main" id="{F39BFFF6-ADCF-453D-A3FA-3FE00347F3E7}"/>
+                      <a16:creationId xmlns:a16="http://schemas.microsoft.com/office/drawing/2014/main" xmlns="" id="{F39BFFF6-ADCF-453D-A3FA-3FE00347F3E7}"/>
                     </a:ext>
                   </a:extLst>
                 </p:cNvPr>
@@ -16632,7 +16550,7 @@
               <p:cNvPr id="38" name="Freeform: Shape 25">
                 <a:extLst>
                   <a:ext uri="{FF2B5EF4-FFF2-40B4-BE49-F238E27FC236}">
-                    <a16:creationId xmlns="" xmlns:a16="http://schemas.microsoft.com/office/drawing/2014/main" id="{0C3EC7D1-22C2-485E-8733-CB445C62968B}"/>
+                    <a16:creationId xmlns:a16="http://schemas.microsoft.com/office/drawing/2014/main" xmlns="" id="{0C3EC7D1-22C2-485E-8733-CB445C62968B}"/>
                   </a:ext>
                 </a:extLst>
               </p:cNvPr>
@@ -16815,7 +16733,7 @@
             <p:cNvPr id="3" name="Straight Connector 2">
               <a:extLst>
                 <a:ext uri="{FF2B5EF4-FFF2-40B4-BE49-F238E27FC236}">
-                  <a16:creationId xmlns="" xmlns:a16="http://schemas.microsoft.com/office/drawing/2014/main" id="{B165FFCA-8C00-44CC-9AC5-77DDB063DA47}"/>
+                  <a16:creationId xmlns:a16="http://schemas.microsoft.com/office/drawing/2014/main" xmlns="" id="{B165FFCA-8C00-44CC-9AC5-77DDB063DA47}"/>
                 </a:ext>
               </a:extLst>
             </p:cNvPr>
@@ -16859,7 +16777,7 @@
           <p:cNvPr id="6" name="TextBox 5">
             <a:extLst>
               <a:ext uri="{FF2B5EF4-FFF2-40B4-BE49-F238E27FC236}">
-                <a16:creationId xmlns="" xmlns:a16="http://schemas.microsoft.com/office/drawing/2014/main" id="{A32DE0C1-9052-48BD-B15F-027053698D8C}"/>
+                <a16:creationId xmlns:a16="http://schemas.microsoft.com/office/drawing/2014/main" xmlns="" id="{A32DE0C1-9052-48BD-B15F-027053698D8C}"/>
               </a:ext>
             </a:extLst>
           </p:cNvPr>
@@ -16923,11 +16841,7 @@
             </a:pPr>
             <a:r>
               <a:rPr lang="de-DE" sz="2800"/>
-              <a:t>(our data: </a:t>
-            </a:r>
-            <a:r>
-              <a:rPr lang="de-DE" sz="2800"/>
-              <a:t>52</a:t>
+              <a:t>(our data: 52</a:t>
             </a:r>
             <a:r>
               <a:rPr lang="de-DE" sz="2800" smtClean="0"/>
@@ -16942,11 +16856,7 @@
             </a:pPr>
             <a:r>
               <a:rPr lang="en-US" sz="2800"/>
-              <a:t>Can improve the </a:t>
-            </a:r>
-            <a:r>
-              <a:rPr lang="en-US" sz="2800"/>
-              <a:t>identification </a:t>
+              <a:t>Can improve the identification </a:t>
             </a:r>
             <a:r>
               <a:rPr lang="en-US" sz="2800" smtClean="0"/>
@@ -16961,11 +16871,7 @@
             </a:pPr>
             <a:r>
               <a:rPr lang="de-DE" sz="2800" smtClean="0"/>
-              <a:t>Re-score </a:t>
-            </a:r>
-            <a:r>
-              <a:rPr lang="de-DE" sz="2800" smtClean="0"/>
-              <a:t>hits and repeat with new </a:t>
+              <a:t>Re-score hits and repeat with new </a:t>
             </a:r>
           </a:p>
           <a:p>
@@ -16976,11 +16882,7 @@
             </a:pPr>
             <a:r>
               <a:rPr lang="de-DE" sz="2800" smtClean="0"/>
-              <a:t>positive </a:t>
-            </a:r>
-            <a:r>
-              <a:rPr lang="de-DE" sz="2800" smtClean="0"/>
-              <a:t>examples</a:t>
+              <a:t>positive examples</a:t>
             </a:r>
             <a:endParaRPr lang="de-DE" sz="2800"/>
           </a:p>
@@ -17309,11 +17211,11 @@
   <p:clrMapOvr>
     <a:masterClrMapping/>
   </p:clrMapOvr>
-  <mc:AlternateContent xmlns:mc="http://schemas.openxmlformats.org/markup-compatibility/2006">
-    <mc:Choice xmlns:p14="http://schemas.microsoft.com/office/powerpoint/2010/main" Requires="p14">
+  <mc:AlternateContent xmlns:mc="http://schemas.openxmlformats.org/markup-compatibility/2006" xmlns:p14="http://schemas.microsoft.com/office/powerpoint/2010/main">
+    <mc:Choice Requires="p14">
       <p:transition spd="slow" p14:dur="2000"/>
     </mc:Choice>
-    <mc:Fallback>
+    <mc:Fallback xmlns="">
       <p:transition spd="slow"/>
     </mc:Fallback>
   </mc:AlternateContent>
@@ -17373,11 +17275,7 @@
             </a:r>
             <a:r>
               <a:rPr lang="en-US"/>
-              <a:t>Cross-link </a:t>
-            </a:r>
-            <a:r>
-              <a:rPr lang="en-US"/>
-              <a:t>I</a:t>
+              <a:t>Cross-link I</a:t>
             </a:r>
             <a:r>
               <a:rPr lang="en-US" smtClean="0"/>
@@ -17609,7 +17507,7 @@
                 <p:cNvPr id="18" name="Textfeld 17">
                   <a:extLst>
                     <a:ext uri="{FF2B5EF4-FFF2-40B4-BE49-F238E27FC236}">
-                      <a16:creationId xmlns="" xmlns:a16="http://schemas.microsoft.com/office/drawing/2014/main" id="{F5D0278F-8592-4DAF-B8F8-9583A0E369A0}"/>
+                      <a16:creationId xmlns:a16="http://schemas.microsoft.com/office/drawing/2014/main" xmlns="" id="{F5D0278F-8592-4DAF-B8F8-9583A0E369A0}"/>
                     </a:ext>
                   </a:extLst>
                 </p:cNvPr>
@@ -17709,7 +17607,7 @@
             <p:cNvPr id="21" name="Geschweifte Klammer links 20">
               <a:extLst>
                 <a:ext uri="{FF2B5EF4-FFF2-40B4-BE49-F238E27FC236}">
-                  <a16:creationId xmlns="" xmlns:a16="http://schemas.microsoft.com/office/drawing/2014/main" id="{46F583E0-3500-4365-8D3A-584974DC1F32}"/>
+                  <a16:creationId xmlns:a16="http://schemas.microsoft.com/office/drawing/2014/main" xmlns="" id="{46F583E0-3500-4365-8D3A-584974DC1F32}"/>
                 </a:ext>
               </a:extLst>
             </p:cNvPr>
@@ -19889,7 +19787,7 @@
             <p:cNvPr id="14" name="Textfeld 13">
               <a:extLst>
                 <a:ext uri="{FF2B5EF4-FFF2-40B4-BE49-F238E27FC236}">
-                  <a16:creationId xmlns="" xmlns:a16="http://schemas.microsoft.com/office/drawing/2014/main" id="{B7A1D8F8-C5CC-49C4-8BF5-E32BD02D994F}"/>
+                  <a16:creationId xmlns:a16="http://schemas.microsoft.com/office/drawing/2014/main" xmlns="" id="{B7A1D8F8-C5CC-49C4-8BF5-E32BD02D994F}"/>
                 </a:ext>
               </a:extLst>
             </p:cNvPr>
@@ -19955,28 +19853,28 @@
                 <a:gridCol w="418364">
                   <a:extLst>
                     <a:ext uri="{9D8B030D-6E8A-4147-A177-3AD203B41FA5}">
-                      <a16:colId xmlns="" xmlns:a16="http://schemas.microsoft.com/office/drawing/2014/main" val="20000"/>
+                      <a16:colId xmlns:a16="http://schemas.microsoft.com/office/drawing/2014/main" xmlns="" val="20000"/>
                     </a:ext>
                   </a:extLst>
                 </a:gridCol>
                 <a:gridCol w="418364">
                   <a:extLst>
                     <a:ext uri="{9D8B030D-6E8A-4147-A177-3AD203B41FA5}">
-                      <a16:colId xmlns="" xmlns:a16="http://schemas.microsoft.com/office/drawing/2014/main" val="20001"/>
+                      <a16:colId xmlns:a16="http://schemas.microsoft.com/office/drawing/2014/main" xmlns="" val="20001"/>
                     </a:ext>
                   </a:extLst>
                 </a:gridCol>
                 <a:gridCol w="418364">
                   <a:extLst>
                     <a:ext uri="{9D8B030D-6E8A-4147-A177-3AD203B41FA5}">
-                      <a16:colId xmlns="" xmlns:a16="http://schemas.microsoft.com/office/drawing/2014/main" val="20002"/>
+                      <a16:colId xmlns:a16="http://schemas.microsoft.com/office/drawing/2014/main" xmlns="" val="20002"/>
                     </a:ext>
                   </a:extLst>
                 </a:gridCol>
                 <a:gridCol w="418364">
                   <a:extLst>
                     <a:ext uri="{9D8B030D-6E8A-4147-A177-3AD203B41FA5}">
-                      <a16:colId xmlns="" xmlns:a16="http://schemas.microsoft.com/office/drawing/2014/main" val="20003"/>
+                      <a16:colId xmlns:a16="http://schemas.microsoft.com/office/drawing/2014/main" xmlns="" val="20003"/>
                     </a:ext>
                   </a:extLst>
                 </a:gridCol>
@@ -20268,7 +20166,7 @@
                 </a:tc>
                 <a:extLst>
                   <a:ext uri="{0D108BD9-81ED-4DB2-BD59-A6C34878D82A}">
-                    <a16:rowId xmlns="" xmlns:a16="http://schemas.microsoft.com/office/drawing/2014/main" val="10000"/>
+                    <a16:rowId xmlns:a16="http://schemas.microsoft.com/office/drawing/2014/main" xmlns="" val="10000"/>
                   </a:ext>
                 </a:extLst>
               </a:tr>
@@ -20555,7 +20453,7 @@
                 </a:tc>
                 <a:extLst>
                   <a:ext uri="{0D108BD9-81ED-4DB2-BD59-A6C34878D82A}">
-                    <a16:rowId xmlns="" xmlns:a16="http://schemas.microsoft.com/office/drawing/2014/main" val="10001"/>
+                    <a16:rowId xmlns:a16="http://schemas.microsoft.com/office/drawing/2014/main" xmlns="" val="10001"/>
                   </a:ext>
                 </a:extLst>
               </a:tr>
@@ -20810,7 +20708,7 @@
                 </a:tc>
                 <a:extLst>
                   <a:ext uri="{0D108BD9-81ED-4DB2-BD59-A6C34878D82A}">
-                    <a16:rowId xmlns="" xmlns:a16="http://schemas.microsoft.com/office/drawing/2014/main" val="10002"/>
+                    <a16:rowId xmlns:a16="http://schemas.microsoft.com/office/drawing/2014/main" xmlns="" val="10002"/>
                   </a:ext>
                 </a:extLst>
               </a:tr>
@@ -21073,7 +20971,7 @@
                 </a:tc>
                 <a:extLst>
                   <a:ext uri="{0D108BD9-81ED-4DB2-BD59-A6C34878D82A}">
-                    <a16:rowId xmlns="" xmlns:a16="http://schemas.microsoft.com/office/drawing/2014/main" val="10003"/>
+                    <a16:rowId xmlns:a16="http://schemas.microsoft.com/office/drawing/2014/main" xmlns="" val="10003"/>
                   </a:ext>
                 </a:extLst>
               </a:tr>
@@ -21404,14 +21302,7 @@
                   <a:latin typeface="Arial" panose="020B0604020202020204" pitchFamily="34" charset="0"/>
                   <a:cs typeface="Arial" panose="020B0604020202020204" pitchFamily="34" charset="0"/>
                 </a:rPr>
-                <a:t>Number of Identified </a:t>
-              </a:r>
-              <a:r>
-                <a:rPr lang="en-US" smtClean="0">
-                  <a:latin typeface="Arial" panose="020B0604020202020204" pitchFamily="34" charset="0"/>
-                  <a:cs typeface="Arial" panose="020B0604020202020204" pitchFamily="34" charset="0"/>
-                </a:rPr>
-                <a:t>Cross-linked PSMs</a:t>
+                <a:t>Number of Identified Cross-linked PSMs</a:t>
               </a:r>
               <a:endParaRPr lang="en-US">
                 <a:latin typeface="Arial" panose="020B0604020202020204" pitchFamily="34" charset="0"/>
